--- a/data/Concurrency-and-Asynchrony/Presentation-Threading.pptx
+++ b/data/Concurrency-and-Asynchrony/Presentation-Threading.pptx
@@ -5,7 +5,7 @@
     <p:sldMasterId id="2147483659" r:id="rId1"/>
   </p:sldMasterIdLst>
   <p:notesMasterIdLst>
-    <p:notesMasterId r:id="rId22"/>
+    <p:notesMasterId r:id="rId25"/>
   </p:notesMasterIdLst>
   <p:sldIdLst>
     <p:sldId id="256" r:id="rId2"/>
@@ -28,37 +28,40 @@
     <p:sldId id="273" r:id="rId19"/>
     <p:sldId id="274" r:id="rId20"/>
     <p:sldId id="275" r:id="rId21"/>
+    <p:sldId id="276" r:id="rId22"/>
+    <p:sldId id="277" r:id="rId23"/>
+    <p:sldId id="278" r:id="rId24"/>
   </p:sldIdLst>
   <p:sldSz cx="9144000" cy="5143500" type="screen16x9"/>
   <p:notesSz cx="6858000" cy="9144000"/>
   <p:embeddedFontLst>
     <p:embeddedFont>
       <p:font typeface="Consolas" panose="020B0609020204030204" pitchFamily="49" charset="0"/>
-      <p:regular r:id="rId23"/>
-      <p:bold r:id="rId24"/>
-      <p:italic r:id="rId25"/>
-      <p:boldItalic r:id="rId26"/>
+      <p:regular r:id="rId26"/>
+      <p:bold r:id="rId27"/>
+      <p:italic r:id="rId28"/>
+      <p:boldItalic r:id="rId29"/>
     </p:embeddedFont>
     <p:embeddedFont>
       <p:font typeface="Nunito" pitchFamily="2" charset="-52"/>
-      <p:regular r:id="rId27"/>
-      <p:bold r:id="rId28"/>
-      <p:italic r:id="rId29"/>
-      <p:boldItalic r:id="rId30"/>
+      <p:regular r:id="rId30"/>
+      <p:bold r:id="rId31"/>
+      <p:italic r:id="rId32"/>
+      <p:boldItalic r:id="rId33"/>
     </p:embeddedFont>
     <p:embeddedFont>
       <p:font typeface="Nunito Medium" panose="020B0604020202020204" charset="-52"/>
-      <p:regular r:id="rId31"/>
-      <p:bold r:id="rId32"/>
-      <p:italic r:id="rId33"/>
-      <p:boldItalic r:id="rId34"/>
+      <p:regular r:id="rId34"/>
+      <p:bold r:id="rId35"/>
+      <p:italic r:id="rId36"/>
+      <p:boldItalic r:id="rId37"/>
     </p:embeddedFont>
     <p:embeddedFont>
       <p:font typeface="Nunito SemiBold" pitchFamily="2" charset="-52"/>
-      <p:regular r:id="rId35"/>
-      <p:bold r:id="rId36"/>
-      <p:italic r:id="rId37"/>
-      <p:boldItalic r:id="rId38"/>
+      <p:regular r:id="rId38"/>
+      <p:bold r:id="rId39"/>
+      <p:italic r:id="rId40"/>
+      <p:boldItalic r:id="rId41"/>
     </p:embeddedFont>
   </p:embeddedFontLst>
   <p:defaultTextStyle>
@@ -855,6 +858,110 @@
 </file>
 
 <file path=ppt/notesSlides/notesSlide10.xml><?xml version="1.0" encoding="utf-8"?>
+<p:notes xmlns:a="http://schemas.openxmlformats.org/drawingml/2006/main" xmlns:r="http://schemas.openxmlformats.org/officeDocument/2006/relationships" xmlns:p="http://schemas.openxmlformats.org/presentationml/2006/main" showMasterSp="0" showMasterPhAnim="0">
+  <p:cSld>
+    <p:spTree>
+      <p:nvGrpSpPr>
+        <p:cNvPr id="1" name="Shape 132"/>
+        <p:cNvGrpSpPr/>
+        <p:nvPr/>
+      </p:nvGrpSpPr>
+      <p:grpSpPr>
+        <a:xfrm>
+          <a:off x="0" y="0"/>
+          <a:ext cx="0" cy="0"/>
+          <a:chOff x="0" y="0"/>
+          <a:chExt cx="0" cy="0"/>
+        </a:xfrm>
+      </p:grpSpPr>
+      <p:sp>
+        <p:nvSpPr>
+          <p:cNvPr id="133" name="Google Shape;133;g195696477c5_0_0:notes"/>
+          <p:cNvSpPr>
+            <a:spLocks noGrp="1" noRot="1" noChangeAspect="1"/>
+          </p:cNvSpPr>
+          <p:nvPr>
+            <p:ph type="sldImg" idx="2"/>
+          </p:nvPr>
+        </p:nvSpPr>
+        <p:spPr>
+          <a:xfrm>
+            <a:off x="381000" y="685800"/>
+            <a:ext cx="6096000" cy="3429000"/>
+          </a:xfrm>
+          <a:custGeom>
+            <a:avLst/>
+            <a:gdLst/>
+            <a:ahLst/>
+            <a:cxnLst/>
+            <a:rect l="l" t="t" r="r" b="b"/>
+            <a:pathLst>
+              <a:path w="120000" h="120000" extrusionOk="0">
+                <a:moveTo>
+                  <a:pt x="0" y="0"/>
+                </a:moveTo>
+                <a:lnTo>
+                  <a:pt x="120000" y="0"/>
+                </a:lnTo>
+                <a:lnTo>
+                  <a:pt x="120000" y="120000"/>
+                </a:lnTo>
+                <a:lnTo>
+                  <a:pt x="0" y="120000"/>
+                </a:lnTo>
+                <a:close/>
+              </a:path>
+            </a:pathLst>
+          </a:custGeom>
+        </p:spPr>
+      </p:sp>
+      <p:sp>
+        <p:nvSpPr>
+          <p:cNvPr id="134" name="Google Shape;134;g195696477c5_0_0:notes"/>
+          <p:cNvSpPr txBox="1">
+            <a:spLocks noGrp="1"/>
+          </p:cNvSpPr>
+          <p:nvPr>
+            <p:ph type="body" idx="1"/>
+          </p:nvPr>
+        </p:nvSpPr>
+        <p:spPr>
+          <a:xfrm>
+            <a:off x="685800" y="4343400"/>
+            <a:ext cx="5486400" cy="4114800"/>
+          </a:xfrm>
+          <a:prstGeom prst="rect">
+            <a:avLst/>
+          </a:prstGeom>
+        </p:spPr>
+        <p:txBody>
+          <a:bodyPr spcFirstLastPara="1" wrap="square" lIns="91425" tIns="91425" rIns="91425" bIns="91425" anchor="t" anchorCtr="0">
+            <a:noAutofit/>
+          </a:bodyPr>
+          <a:lstStyle/>
+          <a:p>
+            <a:pPr marL="0" lvl="0" indent="0" algn="l" rtl="0">
+              <a:spcBef>
+                <a:spcPts val="0"/>
+              </a:spcBef>
+              <a:spcAft>
+                <a:spcPts val="0"/>
+              </a:spcAft>
+              <a:buNone/>
+            </a:pPr>
+            <a:endParaRPr/>
+          </a:p>
+        </p:txBody>
+      </p:sp>
+    </p:spTree>
+  </p:cSld>
+  <p:clrMapOvr>
+    <a:masterClrMapping/>
+  </p:clrMapOvr>
+</p:notes>
+</file>
+
+<file path=ppt/notesSlides/notesSlide11.xml><?xml version="1.0" encoding="utf-8"?>
 <p:notes xmlns:a="http://schemas.openxmlformats.org/drawingml/2006/main" xmlns:r="http://schemas.openxmlformats.org/officeDocument/2006/relationships" xmlns:p="http://schemas.openxmlformats.org/presentationml/2006/main" showMasterSp="0" showMasterPhAnim="0">
   <p:cSld>
     <p:spTree>
@@ -10485,11 +10592,10 @@
               <a:spcAft>
                 <a:spcPts val="0"/>
               </a:spcAft>
-              <a:buClr>
-                <a:srgbClr val="1B5E20"/>
-              </a:buClr>
+              <a:buClrTx/>
               <a:buSzPts val="1400"/>
-              <a:buChar char="❖"/>
+              <a:buFont typeface="Wingdings" panose="05000000000000000000" pitchFamily="2" charset="2"/>
+              <a:buChar char="v"/>
             </a:pPr>
             <a:r>
               <a:rPr lang="ru" sz="1400" dirty="0">
@@ -10569,7 +10675,8 @@
                 <a:srgbClr val="000000"/>
               </a:buClr>
               <a:buSzPts val="1400"/>
-              <a:buChar char="➤"/>
+              <a:buFont typeface="Wingdings" panose="05000000000000000000" pitchFamily="2" charset="2"/>
+              <a:buChar char="Ø"/>
             </a:pPr>
             <a:r>
               <a:rPr lang="ru" sz="1400" b="1" dirty="0">
@@ -10635,7 +10742,8 @@
                 <a:srgbClr val="000000"/>
               </a:buClr>
               <a:buSzPts val="1400"/>
-              <a:buChar char="➤"/>
+              <a:buFont typeface="Wingdings" panose="05000000000000000000" pitchFamily="2" charset="2"/>
+              <a:buChar char="Ø"/>
             </a:pPr>
             <a:r>
               <a:rPr lang="ru" sz="1400" b="1" dirty="0">
@@ -11212,11 +11320,10 @@
               <a:spcAft>
                 <a:spcPts val="0"/>
               </a:spcAft>
-              <a:buClr>
-                <a:srgbClr val="1B5E20"/>
-              </a:buClr>
+              <a:buClrTx/>
               <a:buSzPts val="1400"/>
-              <a:buChar char="❖"/>
+              <a:buFont typeface="Wingdings" panose="05000000000000000000" pitchFamily="2" charset="2"/>
+              <a:buChar char="v"/>
             </a:pPr>
             <a:r>
               <a:rPr lang="ru" sz="1400" dirty="0">
@@ -11254,11 +11361,10 @@
               <a:spcAft>
                 <a:spcPts val="0"/>
               </a:spcAft>
-              <a:buClr>
-                <a:srgbClr val="1B5E20"/>
-              </a:buClr>
+              <a:buClrTx/>
               <a:buSzPts val="1400"/>
-              <a:buChar char="❖"/>
+              <a:buFont typeface="Wingdings" panose="05000000000000000000" pitchFamily="2" charset="2"/>
+              <a:buChar char="v"/>
             </a:pPr>
             <a:r>
               <a:rPr lang="ru" sz="1400" dirty="0">
@@ -12191,7 +12297,7 @@
         </p:nvSpPr>
         <p:spPr>
           <a:xfrm>
-            <a:off x="536725" y="526281"/>
+            <a:off x="544474" y="394546"/>
             <a:ext cx="8055000" cy="3700000"/>
           </a:xfrm>
           <a:prstGeom prst="rect">
@@ -14361,7 +14467,7 @@
             </a:r>
           </a:p>
           <a:p>
-            <a:pPr marL="387350" lvl="0" indent="-285750" algn="just">
+            <a:pPr marL="449263" lvl="0" indent="-363538" algn="just">
               <a:lnSpc>
                 <a:spcPct val="100000"/>
               </a:lnSpc>
@@ -14371,9 +14477,7 @@
               <a:spcAft>
                 <a:spcPts val="0"/>
               </a:spcAft>
-              <a:buClr>
-                <a:srgbClr val="1B5E20"/>
-              </a:buClr>
+              <a:buClrTx/>
               <a:buSzPts val="1400"/>
               <a:buFont typeface="Wingdings" panose="05000000000000000000" pitchFamily="2" charset="2"/>
               <a:buChar char="v"/>
@@ -14430,11 +14534,10 @@
               <a:spcAft>
                 <a:spcPts val="0"/>
               </a:spcAft>
-              <a:buClr>
-                <a:srgbClr val="1B5E20"/>
-              </a:buClr>
+              <a:buClrTx/>
               <a:buSzPts val="1400"/>
-              <a:buChar char="❖"/>
+              <a:buFont typeface="Wingdings" panose="05000000000000000000" pitchFamily="2" charset="2"/>
+              <a:buChar char="v"/>
             </a:pPr>
             <a:r>
               <a:rPr lang="ru" sz="1400" dirty="0">
@@ -14472,11 +14575,10 @@
               <a:spcAft>
                 <a:spcPts val="0"/>
               </a:spcAft>
-              <a:buClr>
-                <a:srgbClr val="1B5E20"/>
-              </a:buClr>
+              <a:buClrTx/>
               <a:buSzPts val="1400"/>
-              <a:buChar char="❖"/>
+              <a:buFont typeface="Wingdings" panose="05000000000000000000" pitchFamily="2" charset="2"/>
+              <a:buChar char="v"/>
             </a:pPr>
             <a:r>
               <a:rPr lang="ru" sz="1400" dirty="0">
@@ -14663,7 +14765,7 @@
         </p:nvSpPr>
         <p:spPr>
           <a:xfrm>
-            <a:off x="699458" y="727759"/>
+            <a:off x="699458" y="712261"/>
             <a:ext cx="7677376" cy="3700000"/>
           </a:xfrm>
           <a:prstGeom prst="rect">
@@ -14825,14 +14927,24 @@
               </a:rPr>
             </a:br>
             <a:r>
-              <a:rPr lang="en-US" sz="1200" dirty="0">
+              <a:rPr lang="en-US" sz="1200" dirty="0" err="1">
                 <a:solidFill>
                   <a:srgbClr val="008000"/>
                 </a:solidFill>
                 <a:latin typeface="Consolas"/>
                 <a:cs typeface="Consolas"/>
               </a:rPr>
-              <a:t>; Алгоритм (атомарно):</a:t>
+              <a:t>Алгоритм</a:t>
+            </a:r>
+            <a:r>
+              <a:rPr lang="en-US" sz="1200" dirty="0">
+                <a:solidFill>
+                  <a:srgbClr val="008000"/>
+                </a:solidFill>
+                <a:latin typeface="Consolas"/>
+                <a:cs typeface="Consolas"/>
+              </a:rPr>
+              <a:t> (атомарно):</a:t>
             </a:r>
             <a:br>
               <a:rPr lang="en-US" sz="1200" dirty="0">
@@ -14851,7 +14963,7 @@
                 <a:latin typeface="Consolas"/>
                 <a:cs typeface="Consolas"/>
               </a:rPr>
-              <a:t>; 1. Сравнить EAX с [dest]</a:t>
+              <a:t>1. Сравнить EAX с [dest]</a:t>
             </a:r>
             <a:br>
               <a:rPr lang="en-US" sz="1200" dirty="0">
@@ -14870,7 +14982,7 @@
                 <a:latin typeface="Consolas"/>
                 <a:cs typeface="Consolas"/>
               </a:rPr>
-              <a:t>; 2. Если равны:  [dest] = src,  ZF = 1  (успех)</a:t>
+              <a:t>2. Если равны:  [dest] = src,  ZF = 1  (успех)</a:t>
             </a:r>
             <a:br>
               <a:rPr lang="en-US" sz="1200" dirty="0">
@@ -14889,11 +15001,11 @@
                 <a:latin typeface="Consolas"/>
                 <a:cs typeface="Consolas"/>
               </a:rPr>
-              <a:t>; 3. Если нет:    EAX = [dest],  ZF = 0  (неудача)</a:t>
+              <a:t>3. Если нет:    EAX = [dest],  ZF = 0  (неудача)</a:t>
             </a:r>
           </a:p>
           <a:p>
-            <a:pPr marL="387350" lvl="0" indent="-285750" algn="just">
+            <a:pPr marL="449263" lvl="0" indent="-363538" algn="just">
               <a:lnSpc>
                 <a:spcPct val="100000"/>
               </a:lnSpc>
@@ -14904,7 +15016,7 @@
                 <a:spcPts val="0"/>
               </a:spcAft>
               <a:buClr>
-                <a:srgbClr val="1B5E20"/>
+                <a:srgbClr val="000000"/>
               </a:buClr>
               <a:buSzPts val="1400"/>
               <a:buFont typeface="Wingdings" panose="05000000000000000000" pitchFamily="2" charset="2"/>
@@ -14954,11 +15066,10 @@
               <a:spcAft>
                 <a:spcPts val="0"/>
               </a:spcAft>
-              <a:buClr>
-                <a:srgbClr val="1B5E20"/>
-              </a:buClr>
+              <a:buClrTx/>
               <a:buSzPts val="1400"/>
-              <a:buChar char="❖"/>
+              <a:buFont typeface="Wingdings" panose="05000000000000000000" pitchFamily="2" charset="2"/>
+              <a:buChar char="v"/>
             </a:pPr>
             <a:r>
               <a:rPr lang="ru" sz="1400" dirty="0">
@@ -14996,11 +15107,10 @@
               <a:spcAft>
                 <a:spcPts val="0"/>
               </a:spcAft>
-              <a:buClr>
-                <a:srgbClr val="1B5E20"/>
-              </a:buClr>
+              <a:buClrTx/>
               <a:buSzPts val="1400"/>
-              <a:buChar char="❖"/>
+              <a:buFont typeface="Wingdings" panose="05000000000000000000" pitchFamily="2" charset="2"/>
+              <a:buChar char="v"/>
             </a:pPr>
             <a:r>
               <a:rPr lang="ru" sz="1400" dirty="0">
@@ -15111,11 +15221,10 @@
               <a:spcAft>
                 <a:spcPts val="0"/>
               </a:spcAft>
-              <a:buClr>
-                <a:srgbClr val="1B5E20"/>
-              </a:buClr>
+              <a:buClrTx/>
               <a:buSzPts val="1400"/>
-              <a:buChar char="❖"/>
+              <a:buFont typeface="Wingdings" panose="05000000000000000000" pitchFamily="2" charset="2"/>
+              <a:buChar char="v"/>
             </a:pPr>
             <a:r>
               <a:rPr lang="ru" sz="1400" dirty="0">
@@ -15569,11 +15678,10 @@
               <a:spcAft>
                 <a:spcPts val="0"/>
               </a:spcAft>
-              <a:buClr>
-                <a:srgbClr val="1B5E20"/>
-              </a:buClr>
+              <a:buClrTx/>
               <a:buSzPts val="1400"/>
-              <a:buChar char="❖"/>
+              <a:buFont typeface="Wingdings" panose="05000000000000000000" pitchFamily="2" charset="2"/>
+              <a:buChar char="v"/>
             </a:pPr>
             <a:r>
               <a:rPr lang="ru" sz="1400" dirty="0">
@@ -15611,11 +15719,10 @@
               <a:spcAft>
                 <a:spcPts val="0"/>
               </a:spcAft>
-              <a:buClr>
-                <a:srgbClr val="1B5E20"/>
-              </a:buClr>
+              <a:buClrTx/>
               <a:buSzPts val="1400"/>
-              <a:buChar char="❖"/>
+              <a:buFont typeface="Wingdings" panose="05000000000000000000" pitchFamily="2" charset="2"/>
+              <a:buChar char="v"/>
             </a:pPr>
             <a:r>
               <a:rPr lang="ru" sz="1400" dirty="0">
@@ -15847,11 +15954,10 @@
               <a:spcAft>
                 <a:spcPts val="0"/>
               </a:spcAft>
-              <a:buClr>
-                <a:srgbClr val="1B5E20"/>
-              </a:buClr>
+              <a:buClrTx/>
               <a:buSzPts val="1400"/>
-              <a:buChar char="❖"/>
+              <a:buFont typeface="Wingdings" panose="05000000000000000000" pitchFamily="2" charset="2"/>
+              <a:buChar char="v"/>
             </a:pPr>
             <a:r>
               <a:rPr lang="ru" sz="1400" dirty="0">
@@ -16383,11 +16489,10 @@
               <a:spcAft>
                 <a:spcPts val="0"/>
               </a:spcAft>
-              <a:buClr>
-                <a:srgbClr val="1B5E20"/>
-              </a:buClr>
+              <a:buClrTx/>
               <a:buSzPts val="1400"/>
-              <a:buChar char="❖"/>
+              <a:buFont typeface="Wingdings" panose="05000000000000000000" pitchFamily="2" charset="2"/>
+              <a:buChar char="v"/>
             </a:pPr>
             <a:r>
               <a:rPr lang="ru" sz="1400" dirty="0">
@@ -16628,11 +16733,10 @@
               <a:spcAft>
                 <a:spcPts val="0"/>
               </a:spcAft>
-              <a:buClr>
-                <a:srgbClr val="1B5E20"/>
-              </a:buClr>
+              <a:buClrTx/>
               <a:buSzPts val="1400"/>
-              <a:buChar char="❖"/>
+              <a:buFont typeface="Wingdings" panose="05000000000000000000" pitchFamily="2" charset="2"/>
+              <a:buChar char="v"/>
             </a:pPr>
             <a:r>
               <a:rPr lang="ru" sz="1400" dirty="0">
@@ -16728,7 +16832,8 @@
                 <a:srgbClr val="000000"/>
               </a:buClr>
               <a:buSzPts val="1400"/>
-              <a:buChar char="➤"/>
+              <a:buFont typeface="Wingdings" panose="05000000000000000000" pitchFamily="2" charset="2"/>
+              <a:buChar char="Ø"/>
             </a:pPr>
             <a:r>
               <a:rPr lang="ru" sz="1400" b="1" dirty="0">
@@ -16762,7 +16867,8 @@
                 <a:srgbClr val="000000"/>
               </a:buClr>
               <a:buSzPts val="1400"/>
-              <a:buChar char="➤"/>
+              <a:buFont typeface="Wingdings" panose="05000000000000000000" pitchFamily="2" charset="2"/>
+              <a:buChar char="Ø"/>
             </a:pPr>
             <a:r>
               <a:rPr lang="ru" sz="1400" b="1" dirty="0">
@@ -17146,11 +17252,10 @@
               <a:spcAft>
                 <a:spcPts val="0"/>
               </a:spcAft>
-              <a:buClr>
-                <a:srgbClr val="1B5E20"/>
-              </a:buClr>
+              <a:buClrTx/>
               <a:buSzPts val="1400"/>
-              <a:buChar char="❖"/>
+              <a:buFont typeface="Wingdings" panose="05000000000000000000" pitchFamily="2" charset="2"/>
+              <a:buChar char="v"/>
             </a:pPr>
             <a:r>
               <a:rPr lang="ru" sz="1400" dirty="0">
@@ -17196,11 +17301,10 @@
               <a:spcAft>
                 <a:spcPts val="0"/>
               </a:spcAft>
-              <a:buClr>
-                <a:srgbClr val="1B5E20"/>
-              </a:buClr>
+              <a:buClrTx/>
               <a:buSzPts val="1400"/>
-              <a:buChar char="❖"/>
+              <a:buFont typeface="Wingdings" panose="05000000000000000000" pitchFamily="2" charset="2"/>
+              <a:buChar char="v"/>
             </a:pPr>
             <a:r>
               <a:rPr lang="ru" sz="1400" dirty="0">
@@ -17270,11 +17374,10 @@
               <a:spcAft>
                 <a:spcPts val="0"/>
               </a:spcAft>
-              <a:buClr>
-                <a:srgbClr val="1B5E20"/>
-              </a:buClr>
+              <a:buClrTx/>
               <a:buSzPts val="1400"/>
-              <a:buChar char="❖"/>
+              <a:buFont typeface="Wingdings" panose="05000000000000000000" pitchFamily="2" charset="2"/>
+              <a:buChar char="v"/>
             </a:pPr>
             <a:r>
               <a:rPr lang="ru" sz="1400" dirty="0">
@@ -17562,11 +17665,10 @@
               <a:spcAft>
                 <a:spcPts val="0"/>
               </a:spcAft>
-              <a:buClr>
-                <a:srgbClr val="1B5E20"/>
-              </a:buClr>
+              <a:buClrTx/>
               <a:buSzPts val="1400"/>
-              <a:buChar char="❖"/>
+              <a:buFont typeface="Wingdings" panose="05000000000000000000" pitchFamily="2" charset="2"/>
+              <a:buChar char="v"/>
             </a:pPr>
             <a:r>
               <a:rPr lang="ru" sz="1400" dirty="0">
@@ -17783,7 +17885,7 @@
         </p:nvSpPr>
         <p:spPr>
           <a:xfrm>
-            <a:off x="536725" y="921488"/>
+            <a:off x="536725" y="843996"/>
             <a:ext cx="8055000" cy="3323400"/>
           </a:xfrm>
           <a:prstGeom prst="rect">
@@ -17837,7 +17939,8 @@
                 <a:srgbClr val="000000"/>
               </a:buClr>
               <a:buSzPts val="1400"/>
-              <a:buChar char="➔"/>
+              <a:buFont typeface="Wingdings" panose="05000000000000000000" pitchFamily="2" charset="2"/>
+              <a:buChar char="Ø"/>
             </a:pPr>
             <a:r>
               <a:rPr lang="ru" sz="1400" b="1" dirty="0">
@@ -17876,7 +17979,8 @@
                 <a:srgbClr val="000000"/>
               </a:buClr>
               <a:buSzPts val="1400"/>
-              <a:buChar char="➔"/>
+              <a:buFont typeface="Wingdings" panose="05000000000000000000" pitchFamily="2" charset="2"/>
+              <a:buChar char="Ø"/>
             </a:pPr>
             <a:r>
               <a:rPr lang="ru" sz="1400" b="1" dirty="0">
@@ -17915,7 +18019,8 @@
                 <a:srgbClr val="000000"/>
               </a:buClr>
               <a:buSzPts val="1400"/>
-              <a:buChar char="➔"/>
+              <a:buFont typeface="Wingdings" panose="05000000000000000000" pitchFamily="2" charset="2"/>
+              <a:buChar char="Ø"/>
             </a:pPr>
             <a:r>
               <a:rPr lang="ru" sz="1400" b="1" dirty="0">
@@ -17954,7 +18059,8 @@
                 <a:srgbClr val="000000"/>
               </a:buClr>
               <a:buSzPts val="1400"/>
-              <a:buChar char="➔"/>
+              <a:buFont typeface="Wingdings" panose="05000000000000000000" pitchFamily="2" charset="2"/>
+              <a:buChar char="Ø"/>
             </a:pPr>
             <a:r>
               <a:rPr lang="ru" sz="1400" b="1" dirty="0">
@@ -17989,14 +18095,13 @@
               <a:spcAft>
                 <a:spcPts val="0"/>
               </a:spcAft>
-              <a:buClr>
-                <a:srgbClr val="000000"/>
-              </a:buClr>
-              <a:buSzPts val="1200"/>
-              <a:buChar char="❖"/>
+              <a:buClrTx/>
+              <a:buSzPct val="100000"/>
+              <a:buFont typeface="Wingdings" panose="05000000000000000000" pitchFamily="2" charset="2"/>
+              <a:buChar char="v"/>
             </a:pPr>
             <a:r>
-              <a:rPr lang="ru" sz="1200" dirty="0">
+              <a:rPr lang="ru" sz="1400" dirty="0">
                 <a:solidFill>
                   <a:srgbClr val="000000"/>
                 </a:solidFill>
@@ -18004,7 +18109,7 @@
               <a:t>Общий механизм одновременного выполнения кода называется </a:t>
             </a:r>
             <a:r>
-              <a:rPr lang="ru" sz="1200" i="1" dirty="0">
+              <a:rPr lang="ru" sz="1400" i="1" dirty="0">
                 <a:solidFill>
                   <a:srgbClr val="000000"/>
                 </a:solidFill>
@@ -18012,7 +18117,7 @@
               <a:t>многопоточностью</a:t>
             </a:r>
             <a:r>
-              <a:rPr lang="ru" sz="1200" dirty="0">
+              <a:rPr lang="ru" sz="1400" dirty="0">
                 <a:solidFill>
                   <a:srgbClr val="000000"/>
                 </a:solidFill>
@@ -18020,7 +18125,7 @@
               <a:t>. Многопоточность поддерживается CLR и ОС, являясь фундаментальной концепцией параллелизма. Важно понимать основы многопоточной обработки и влияние потоков на </a:t>
             </a:r>
             <a:r>
-              <a:rPr lang="ru" sz="1200" i="1" dirty="0">
+              <a:rPr lang="ru" sz="1400" i="1" dirty="0">
                 <a:solidFill>
                   <a:srgbClr val="000000"/>
                 </a:solidFill>
@@ -18028,14 +18133,14 @@
               <a:t>разделяемое состояние</a:t>
             </a:r>
             <a:r>
-              <a:rPr lang="ru" sz="1200" dirty="0">
+              <a:rPr lang="ru" sz="1400" dirty="0">
                 <a:solidFill>
                   <a:srgbClr val="000000"/>
                 </a:solidFill>
               </a:rPr>
               <a:t>.</a:t>
             </a:r>
-            <a:endParaRPr sz="1200" dirty="0">
+            <a:endParaRPr sz="1400" dirty="0">
               <a:solidFill>
                 <a:srgbClr val="000000"/>
               </a:solidFill>
@@ -18481,7 +18586,7 @@
             </a:r>
           </a:p>
           <a:p>
-            <a:pPr marL="457200" lvl="0" indent="-355600" algn="just">
+            <a:pPr marL="449263" lvl="0" indent="-347663" algn="just">
               <a:lnSpc>
                 <a:spcPct val="100000"/>
               </a:lnSpc>
@@ -18491,11 +18596,10 @@
               <a:spcAft>
                 <a:spcPts val="0"/>
               </a:spcAft>
-              <a:buClr>
-                <a:srgbClr val="1B5E20"/>
-              </a:buClr>
+              <a:buClrTx/>
               <a:buSzPts val="1400"/>
-              <a:buChar char="❖"/>
+              <a:buFont typeface="Wingdings" panose="05000000000000000000" pitchFamily="2" charset="2"/>
+              <a:buChar char="v"/>
             </a:pPr>
             <a:r>
               <a:rPr lang="ru" sz="1400" dirty="0">
@@ -18630,7 +18734,8 @@
                 <a:srgbClr val="000000"/>
               </a:buClr>
               <a:buSzPts val="1400"/>
-              <a:buChar char="➤"/>
+              <a:buFont typeface="Wingdings" panose="05000000000000000000" pitchFamily="2" charset="2"/>
+              <a:buChar char="Ø"/>
             </a:pPr>
             <a:r>
               <a:rPr lang="ru" sz="1400" dirty="0">
@@ -18656,7 +18761,8 @@
                 <a:srgbClr val="000000"/>
               </a:buClr>
               <a:buSzPts val="1400"/>
-              <a:buChar char="➤"/>
+              <a:buFont typeface="Wingdings" panose="05000000000000000000" pitchFamily="2" charset="2"/>
+              <a:buChar char="Ø"/>
             </a:pPr>
             <a:r>
               <a:rPr lang="ru" sz="1400" dirty="0">
@@ -18682,7 +18788,8 @@
                 <a:srgbClr val="000000"/>
               </a:buClr>
               <a:buSzPts val="1400"/>
-              <a:buChar char="➤"/>
+              <a:buFont typeface="Wingdings" panose="05000000000000000000" pitchFamily="2" charset="2"/>
+              <a:buChar char="Ø"/>
             </a:pPr>
             <a:r>
               <a:rPr lang="ru" sz="1400" dirty="0">
@@ -18723,6 +18830,2220 @@
                 </a:solidFill>
               </a:rPr>
               <a:t>) для безопасного захвата в циклах.</a:t>
+            </a:r>
+          </a:p>
+        </p:txBody>
+      </p:sp>
+    </p:spTree>
+  </p:cSld>
+  <p:clrMapOvr>
+    <a:masterClrMapping/>
+  </p:clrMapOvr>
+</p:sld>
+</file>
+
+<file path=ppt/slides/slide21.xml><?xml version="1.0" encoding="utf-8"?>
+<p:sld xmlns:a="http://schemas.openxmlformats.org/drawingml/2006/main" xmlns:r="http://schemas.openxmlformats.org/officeDocument/2006/relationships" xmlns:p="http://schemas.openxmlformats.org/presentationml/2006/main">
+  <p:cSld>
+    <p:spTree>
+      <p:nvGrpSpPr>
+        <p:cNvPr id="1" name="Shape 135"/>
+        <p:cNvGrpSpPr/>
+        <p:nvPr/>
+      </p:nvGrpSpPr>
+      <p:grpSpPr>
+        <a:xfrm>
+          <a:off x="0" y="0"/>
+          <a:ext cx="0" cy="0"/>
+          <a:chOff x="0" y="0"/>
+          <a:chExt cx="0" cy="0"/>
+        </a:xfrm>
+      </p:grpSpPr>
+      <p:sp>
+        <p:nvSpPr>
+          <p:cNvPr id="136" name="Title"/>
+          <p:cNvSpPr txBox="1">
+            <a:spLocks noGrp="1"/>
+          </p:cNvSpPr>
+          <p:nvPr>
+            <p:ph type="title"/>
+          </p:nvPr>
+        </p:nvSpPr>
+        <p:spPr>
+          <a:xfrm>
+            <a:off x="505716" y="184449"/>
+            <a:ext cx="8055000" cy="644700"/>
+          </a:xfrm>
+          <a:prstGeom prst="rect">
+            <a:avLst/>
+          </a:prstGeom>
+        </p:spPr>
+        <p:txBody>
+          <a:bodyPr spcFirstLastPara="1" wrap="square" lIns="91425" tIns="91425" rIns="91425" bIns="91425" anchor="t" anchorCtr="0">
+            <a:normAutofit/>
+          </a:bodyPr>
+          <a:lstStyle/>
+          <a:p>
+            <a:pPr marL="0" lvl="0" indent="0" algn="ctr">
+              <a:spcBef>
+                <a:spcPts val="0"/>
+              </a:spcBef>
+              <a:spcAft>
+                <a:spcPts val="0"/>
+              </a:spcAft>
+              <a:buNone/>
+            </a:pPr>
+            <a:r>
+              <a:rPr lang="ru" sz="2400" b="1" dirty="0">
+                <a:solidFill>
+                  <a:srgbClr val="000000"/>
+                </a:solidFill>
+              </a:rPr>
+              <a:t>Обработка исключений</a:t>
+            </a:r>
+          </a:p>
+        </p:txBody>
+      </p:sp>
+      <p:cxnSp>
+        <p:nvCxnSpPr>
+          <p:cNvPr id="137" name="Line"/>
+          <p:cNvCxnSpPr/>
+          <p:nvPr/>
+        </p:nvCxnSpPr>
+        <p:spPr>
+          <a:xfrm rot="10800000" flipH="1">
+            <a:off x="239584" y="4541268"/>
+            <a:ext cx="8649300" cy="2400"/>
+          </a:xfrm>
+          <a:prstGeom prst="straightConnector1">
+            <a:avLst/>
+          </a:prstGeom>
+          <a:noFill/>
+          <a:ln w="9525" cap="flat" cmpd="sng">
+            <a:solidFill>
+              <a:schemeClr val="dk2"/>
+            </a:solidFill>
+            <a:prstDash val="solid"/>
+            <a:round/>
+            <a:headEnd type="none" w="med" len="med"/>
+            <a:tailEnd type="none" w="med" len="med"/>
+          </a:ln>
+        </p:spPr>
+      </p:cxnSp>
+      <p:sp>
+        <p:nvSpPr>
+          <p:cNvPr id="138" name="Footer"/>
+          <p:cNvSpPr txBox="1">
+            <a:spLocks noGrp="1"/>
+          </p:cNvSpPr>
+          <p:nvPr>
+            <p:ph type="title"/>
+          </p:nvPr>
+        </p:nvSpPr>
+        <p:spPr>
+          <a:xfrm>
+            <a:off x="239575" y="4543675"/>
+            <a:ext cx="7452300" cy="393600"/>
+          </a:xfrm>
+          <a:prstGeom prst="rect">
+            <a:avLst/>
+          </a:prstGeom>
+        </p:spPr>
+        <p:txBody>
+          <a:bodyPr spcFirstLastPara="1" wrap="square" lIns="91425" tIns="91425" rIns="91425" bIns="91425" anchor="t" anchorCtr="0">
+            <a:noAutofit/>
+          </a:bodyPr>
+          <a:lstStyle/>
+          <a:p>
+            <a:pPr lvl="0"/>
+            <a:r>
+              <a:rPr lang="ru" sz="1400" dirty="0">
+                <a:solidFill>
+                  <a:srgbClr val="000000"/>
+                </a:solidFill>
+              </a:rPr>
+              <a:t>Многопоточная обработка | </a:t>
+            </a:r>
+            <a:r>
+              <a:rPr lang="ru-RU" sz="1400" dirty="0">
+                <a:solidFill>
+                  <a:srgbClr val="000000"/>
+                </a:solidFill>
+              </a:rPr>
+              <a:t>Обработка исключений</a:t>
+            </a:r>
+            <a:endParaRPr lang="ru" sz="1400" dirty="0">
+              <a:solidFill>
+                <a:srgbClr val="000000"/>
+              </a:solidFill>
+            </a:endParaRPr>
+          </a:p>
+        </p:txBody>
+      </p:sp>
+      <p:sp>
+        <p:nvSpPr>
+          <p:cNvPr id="139" name="Body"/>
+          <p:cNvSpPr txBox="1">
+            <a:spLocks noGrp="1"/>
+          </p:cNvSpPr>
+          <p:nvPr>
+            <p:ph type="title"/>
+          </p:nvPr>
+        </p:nvSpPr>
+        <p:spPr>
+          <a:xfrm>
+            <a:off x="544475" y="596023"/>
+            <a:ext cx="8055000" cy="3805495"/>
+          </a:xfrm>
+          <a:prstGeom prst="rect">
+            <a:avLst/>
+          </a:prstGeom>
+        </p:spPr>
+        <p:txBody>
+          <a:bodyPr spcFirstLastPara="1" wrap="square" lIns="91425" tIns="91425" rIns="91425" bIns="91425" anchor="t" anchorCtr="0">
+            <a:noAutofit/>
+          </a:bodyPr>
+          <a:lstStyle/>
+          <a:p>
+            <a:pPr marL="0" lvl="0" indent="0" algn="just">
+              <a:lnSpc>
+                <a:spcPct val="100000"/>
+              </a:lnSpc>
+              <a:spcBef>
+                <a:spcPts val="0"/>
+              </a:spcBef>
+              <a:spcAft>
+                <a:spcPts val="0"/>
+              </a:spcAft>
+              <a:buNone/>
+            </a:pPr>
+            <a:r>
+              <a:rPr lang="ru" sz="1400" dirty="0">
+                <a:solidFill>
+                  <a:srgbClr val="000000"/>
+                </a:solidFill>
+              </a:rPr>
+              <a:t>Блоки </a:t>
+            </a:r>
+            <a:r>
+              <a:rPr lang="ru" sz="1400" b="1" dirty="0">
+                <a:solidFill>
+                  <a:srgbClr val="0D47A1"/>
+                </a:solidFill>
+              </a:rPr>
+              <a:t>try/catch/finally</a:t>
+            </a:r>
+            <a:r>
+              <a:rPr lang="ru" sz="1400" dirty="0">
+                <a:solidFill>
+                  <a:srgbClr val="000000"/>
+                </a:solidFill>
+              </a:rPr>
+              <a:t>, действующие во время создания потока, </a:t>
+            </a:r>
+            <a:r>
+              <a:rPr lang="ru" sz="1400" b="1" i="1" dirty="0">
+                <a:solidFill>
+                  <a:srgbClr val="1B5E20"/>
+                </a:solidFill>
+              </a:rPr>
+              <a:t>не играют никакой роли</a:t>
+            </a:r>
+            <a:r>
+              <a:rPr lang="ru" sz="1400" dirty="0">
+                <a:solidFill>
+                  <a:srgbClr val="000000"/>
+                </a:solidFill>
+              </a:rPr>
+              <a:t> в потоке, когда он начинает выполнение:</a:t>
+            </a:r>
+          </a:p>
+          <a:p>
+            <a:pPr marL="85725" lvl="0" algn="l">
+              <a:lnSpc>
+                <a:spcPct val="100000"/>
+              </a:lnSpc>
+              <a:spcBef>
+                <a:spcPts val="600"/>
+              </a:spcBef>
+              <a:spcAft>
+                <a:spcPts val="600"/>
+              </a:spcAft>
+              <a:buNone/>
+            </a:pPr>
+            <a:r>
+              <a:rPr lang="en-US" sz="1100" dirty="0">
+                <a:solidFill>
+                  <a:srgbClr val="0000FF"/>
+                </a:solidFill>
+                <a:latin typeface="Consolas"/>
+                <a:cs typeface="Consolas"/>
+              </a:rPr>
+              <a:t>try</a:t>
+            </a:r>
+            <a:r>
+              <a:rPr lang="en-US" sz="1100" dirty="0">
+                <a:solidFill>
+                  <a:srgbClr val="000000"/>
+                </a:solidFill>
+                <a:latin typeface="Consolas"/>
+                <a:cs typeface="Consolas"/>
+              </a:rPr>
+              <a:t> {</a:t>
+            </a:r>
+            <a:br>
+              <a:rPr lang="en-US" sz="1100" dirty="0">
+                <a:solidFill>
+                  <a:srgbClr val="000000"/>
+                </a:solidFill>
+                <a:latin typeface="Consolas"/>
+                <a:cs typeface="Consolas"/>
+              </a:rPr>
+            </a:br>
+            <a:r>
+              <a:rPr lang="en-US" sz="1100" dirty="0">
+                <a:solidFill>
+                  <a:srgbClr val="000000"/>
+                </a:solidFill>
+                <a:latin typeface="Consolas"/>
+                <a:cs typeface="Consolas"/>
+              </a:rPr>
+              <a:t>  </a:t>
+            </a:r>
+            <a:r>
+              <a:rPr lang="en-US" sz="1100" dirty="0">
+                <a:solidFill>
+                  <a:srgbClr val="0000FF"/>
+                </a:solidFill>
+                <a:latin typeface="Consolas"/>
+                <a:cs typeface="Consolas"/>
+              </a:rPr>
+              <a:t>new</a:t>
+            </a:r>
+            <a:r>
+              <a:rPr lang="en-US" sz="1100" dirty="0">
+                <a:solidFill>
+                  <a:srgbClr val="000000"/>
+                </a:solidFill>
+                <a:latin typeface="Consolas"/>
+                <a:cs typeface="Consolas"/>
+              </a:rPr>
+              <a:t> </a:t>
+            </a:r>
+            <a:r>
+              <a:rPr lang="en-US" sz="1100" dirty="0">
+                <a:solidFill>
+                  <a:srgbClr val="2B91AF"/>
+                </a:solidFill>
+                <a:latin typeface="Consolas"/>
+                <a:cs typeface="Consolas"/>
+              </a:rPr>
+              <a:t>Thread</a:t>
+            </a:r>
+            <a:r>
+              <a:rPr lang="en-US" sz="1100" dirty="0">
+                <a:solidFill>
+                  <a:srgbClr val="000000"/>
+                </a:solidFill>
+                <a:latin typeface="Consolas"/>
+                <a:cs typeface="Consolas"/>
+              </a:rPr>
+              <a:t> (Go).Start();</a:t>
+            </a:r>
+            <a:br>
+              <a:rPr lang="en-US" sz="1100" dirty="0">
+                <a:solidFill>
+                  <a:srgbClr val="000000"/>
+                </a:solidFill>
+                <a:latin typeface="Consolas"/>
+                <a:cs typeface="Consolas"/>
+              </a:rPr>
+            </a:br>
+            <a:r>
+              <a:rPr lang="en-US" sz="1100" dirty="0">
+                <a:solidFill>
+                  <a:srgbClr val="000000"/>
+                </a:solidFill>
+                <a:latin typeface="Consolas"/>
+                <a:cs typeface="Consolas"/>
+              </a:rPr>
+              <a:t>}</a:t>
+            </a:r>
+            <a:br>
+              <a:rPr lang="en-US" sz="1100" dirty="0">
+                <a:solidFill>
+                  <a:srgbClr val="000000"/>
+                </a:solidFill>
+                <a:latin typeface="Consolas"/>
+                <a:cs typeface="Consolas"/>
+              </a:rPr>
+            </a:br>
+            <a:r>
+              <a:rPr lang="en-US" sz="1100" dirty="0">
+                <a:solidFill>
+                  <a:srgbClr val="0000FF"/>
+                </a:solidFill>
+                <a:latin typeface="Consolas"/>
+                <a:cs typeface="Consolas"/>
+              </a:rPr>
+              <a:t>catch</a:t>
+            </a:r>
+            <a:r>
+              <a:rPr lang="en-US" sz="1100" dirty="0">
+                <a:solidFill>
+                  <a:srgbClr val="000000"/>
+                </a:solidFill>
+                <a:latin typeface="Consolas"/>
+                <a:cs typeface="Consolas"/>
+              </a:rPr>
+              <a:t> (</a:t>
+            </a:r>
+            <a:r>
+              <a:rPr lang="en-US" sz="1100" dirty="0">
+                <a:solidFill>
+                  <a:srgbClr val="2B91AF"/>
+                </a:solidFill>
+                <a:latin typeface="Consolas"/>
+                <a:cs typeface="Consolas"/>
+              </a:rPr>
+              <a:t>Exception</a:t>
+            </a:r>
+            <a:r>
+              <a:rPr lang="en-US" sz="1100" dirty="0">
+                <a:solidFill>
+                  <a:srgbClr val="000000"/>
+                </a:solidFill>
+                <a:latin typeface="Consolas"/>
+                <a:cs typeface="Consolas"/>
+              </a:rPr>
+              <a:t> ex) {</a:t>
+            </a:r>
+            <a:br>
+              <a:rPr lang="en-US" sz="1100" dirty="0">
+                <a:solidFill>
+                  <a:srgbClr val="000000"/>
+                </a:solidFill>
+                <a:latin typeface="Consolas"/>
+                <a:cs typeface="Consolas"/>
+              </a:rPr>
+            </a:br>
+            <a:r>
+              <a:rPr lang="en-US" sz="1100" dirty="0">
+                <a:solidFill>
+                  <a:srgbClr val="000000"/>
+                </a:solidFill>
+                <a:latin typeface="Consolas"/>
+                <a:cs typeface="Consolas"/>
+              </a:rPr>
+              <a:t>  </a:t>
+            </a:r>
+            <a:r>
+              <a:rPr lang="en-US" sz="1100" dirty="0">
+                <a:solidFill>
+                  <a:srgbClr val="008000"/>
+                </a:solidFill>
+                <a:latin typeface="Consolas"/>
+                <a:cs typeface="Consolas"/>
+              </a:rPr>
+              <a:t>// Сюда мы никогда не попадём!</a:t>
+            </a:r>
+            <a:br>
+              <a:rPr lang="en-US" sz="1100" dirty="0">
+                <a:solidFill>
+                  <a:srgbClr val="000000"/>
+                </a:solidFill>
+                <a:latin typeface="Consolas"/>
+                <a:cs typeface="Consolas"/>
+              </a:rPr>
+            </a:br>
+            <a:r>
+              <a:rPr lang="en-US" sz="1100" dirty="0">
+                <a:solidFill>
+                  <a:srgbClr val="000000"/>
+                </a:solidFill>
+                <a:latin typeface="Consolas"/>
+                <a:cs typeface="Consolas"/>
+              </a:rPr>
+              <a:t>}</a:t>
+            </a:r>
+            <a:br>
+              <a:rPr lang="en-US" sz="1100" dirty="0">
+                <a:solidFill>
+                  <a:srgbClr val="000000"/>
+                </a:solidFill>
+                <a:latin typeface="Consolas"/>
+                <a:cs typeface="Consolas"/>
+              </a:rPr>
+            </a:br>
+            <a:r>
+              <a:rPr lang="en-US" sz="1100" dirty="0">
+                <a:solidFill>
+                  <a:srgbClr val="0000FF"/>
+                </a:solidFill>
+                <a:latin typeface="Consolas"/>
+                <a:cs typeface="Consolas"/>
+              </a:rPr>
+              <a:t>void</a:t>
+            </a:r>
+            <a:r>
+              <a:rPr lang="en-US" sz="1100" dirty="0">
+                <a:solidFill>
+                  <a:srgbClr val="000000"/>
+                </a:solidFill>
+                <a:latin typeface="Consolas"/>
+                <a:cs typeface="Consolas"/>
+              </a:rPr>
+              <a:t> Go() { </a:t>
+            </a:r>
+            <a:r>
+              <a:rPr lang="en-US" sz="1100" dirty="0">
+                <a:solidFill>
+                  <a:srgbClr val="0000FF"/>
+                </a:solidFill>
+                <a:latin typeface="Consolas"/>
+                <a:cs typeface="Consolas"/>
+              </a:rPr>
+              <a:t>throw</a:t>
+            </a:r>
+            <a:r>
+              <a:rPr lang="en-US" sz="1100" dirty="0">
+                <a:solidFill>
+                  <a:srgbClr val="000000"/>
+                </a:solidFill>
+                <a:latin typeface="Consolas"/>
+                <a:cs typeface="Consolas"/>
+              </a:rPr>
+              <a:t> </a:t>
+            </a:r>
+            <a:r>
+              <a:rPr lang="en-US" sz="1100" dirty="0">
+                <a:solidFill>
+                  <a:srgbClr val="0000FF"/>
+                </a:solidFill>
+                <a:latin typeface="Consolas"/>
+                <a:cs typeface="Consolas"/>
+              </a:rPr>
+              <a:t>null</a:t>
+            </a:r>
+            <a:r>
+              <a:rPr lang="en-US" sz="1100" dirty="0">
+                <a:solidFill>
+                  <a:srgbClr val="000000"/>
+                </a:solidFill>
+                <a:latin typeface="Consolas"/>
+                <a:cs typeface="Consolas"/>
+              </a:rPr>
+              <a:t>; } </a:t>
+            </a:r>
+            <a:r>
+              <a:rPr lang="en-US" sz="1100" dirty="0">
+                <a:solidFill>
+                  <a:srgbClr val="008000"/>
+                </a:solidFill>
+                <a:latin typeface="Consolas"/>
+                <a:cs typeface="Consolas"/>
+              </a:rPr>
+              <a:t>// NullReferenceException</a:t>
+            </a:r>
+          </a:p>
+          <a:p>
+            <a:pPr marL="387350" lvl="0" indent="-285750" algn="just">
+              <a:spcBef>
+                <a:spcPts val="400"/>
+              </a:spcBef>
+              <a:buClrTx/>
+              <a:buSzPts val="1400"/>
+              <a:buFont typeface="Wingdings" panose="05000000000000000000" pitchFamily="2" charset="2"/>
+              <a:buChar char="v"/>
+            </a:pPr>
+            <a:r>
+              <a:rPr lang="ru" sz="1400" dirty="0">
+                <a:solidFill>
+                  <a:srgbClr val="000000"/>
+                </a:solidFill>
+              </a:rPr>
+              <a:t>Причина: каждый поток имеет </a:t>
+            </a:r>
+            <a:r>
+              <a:rPr lang="ru" sz="1400" b="1" dirty="0">
+                <a:solidFill>
+                  <a:srgbClr val="1B5E20"/>
+                </a:solidFill>
+              </a:rPr>
+              <a:t>собственный стек вызовов</a:t>
+            </a:r>
+            <a:r>
+              <a:rPr lang="ru" sz="1400" dirty="0">
+                <a:solidFill>
+                  <a:srgbClr val="000000"/>
+                </a:solidFill>
+              </a:rPr>
+              <a:t>. </a:t>
+            </a:r>
+            <a:r>
+              <a:rPr lang="ru-RU" sz="1400" dirty="0">
+                <a:solidFill>
+                  <a:srgbClr val="000000"/>
+                </a:solidFill>
+              </a:rPr>
+              <a:t>Механизм раскрутки исключений (</a:t>
+            </a:r>
+            <a:r>
+              <a:rPr lang="ru-RU" sz="1400" i="1" dirty="0" err="1">
+                <a:solidFill>
+                  <a:srgbClr val="000000"/>
+                </a:solidFill>
+              </a:rPr>
+              <a:t>exception</a:t>
+            </a:r>
+            <a:r>
+              <a:rPr lang="ru-RU" sz="1400" i="1" dirty="0">
+                <a:solidFill>
+                  <a:srgbClr val="000000"/>
+                </a:solidFill>
+              </a:rPr>
+              <a:t> </a:t>
+            </a:r>
+            <a:r>
+              <a:rPr lang="ru-RU" sz="1400" i="1" dirty="0" err="1">
+                <a:solidFill>
+                  <a:srgbClr val="000000"/>
+                </a:solidFill>
+              </a:rPr>
+              <a:t>unwinding</a:t>
+            </a:r>
+            <a:r>
+              <a:rPr lang="ru-RU" sz="1400" dirty="0">
+                <a:solidFill>
+                  <a:srgbClr val="000000"/>
+                </a:solidFill>
+              </a:rPr>
+              <a:t>) ищет подходящий </a:t>
+            </a:r>
+            <a:r>
+              <a:rPr lang="ru-RU" sz="1400" b="1" dirty="0" err="1">
+                <a:solidFill>
+                  <a:srgbClr val="0D47A1"/>
+                </a:solidFill>
+              </a:rPr>
+              <a:t>catch</a:t>
+            </a:r>
+            <a:r>
+              <a:rPr lang="ru-RU" sz="1400" dirty="0">
+                <a:solidFill>
+                  <a:srgbClr val="000000"/>
+                </a:solidFill>
+              </a:rPr>
+              <a:t> только вверх по текущему стеку — он не может перепрыгнуть в стек другого потока</a:t>
+            </a:r>
+            <a:r>
+              <a:rPr lang="ru" sz="1400" dirty="0">
+                <a:solidFill>
+                  <a:srgbClr val="000000"/>
+                </a:solidFill>
+              </a:rPr>
+              <a:t>:</a:t>
+            </a:r>
+          </a:p>
+          <a:p>
+            <a:pPr marL="357188" lvl="0">
+              <a:spcBef>
+                <a:spcPts val="100"/>
+              </a:spcBef>
+            </a:pPr>
+            <a:r>
+              <a:rPr lang="ru-RU" sz="1050" dirty="0">
+                <a:solidFill>
+                  <a:srgbClr val="000000"/>
+                </a:solidFill>
+                <a:latin typeface="Consolas"/>
+                <a:cs typeface="Consolas"/>
+              </a:rPr>
+              <a:t>Главный поток (стек):         Новый поток (стек):</a:t>
+            </a:r>
+            <a:br>
+              <a:rPr lang="ru-RU" sz="1050" dirty="0">
+                <a:solidFill>
+                  <a:srgbClr val="000000"/>
+                </a:solidFill>
+                <a:latin typeface="Consolas"/>
+                <a:cs typeface="Consolas"/>
+              </a:rPr>
+            </a:br>
+            <a:r>
+              <a:rPr lang="ru-RU" sz="1050" dirty="0">
+                <a:solidFill>
+                  <a:srgbClr val="000000"/>
+                </a:solidFill>
+                <a:latin typeface="Consolas"/>
+                <a:cs typeface="Consolas"/>
+              </a:rPr>
+              <a:t>┌─────────────────┐           ┌─────────────────┐</a:t>
+            </a:r>
+            <a:br>
+              <a:rPr lang="ru-RU" sz="1050" dirty="0">
+                <a:solidFill>
+                  <a:srgbClr val="000000"/>
+                </a:solidFill>
+                <a:latin typeface="Consolas"/>
+                <a:cs typeface="Consolas"/>
+              </a:rPr>
+            </a:br>
+            <a:r>
+              <a:rPr lang="ru-RU" sz="1050" dirty="0">
+                <a:solidFill>
+                  <a:srgbClr val="000000"/>
+                </a:solidFill>
+                <a:latin typeface="Consolas"/>
+                <a:cs typeface="Consolas"/>
+              </a:rPr>
+              <a:t>│ </a:t>
+            </a:r>
+            <a:r>
+              <a:rPr lang="en-US" sz="1050" dirty="0">
+                <a:solidFill>
+                  <a:srgbClr val="000000"/>
+                </a:solidFill>
+                <a:latin typeface="Consolas"/>
+                <a:cs typeface="Consolas"/>
+              </a:rPr>
+              <a:t>Main()          │           │ Go()            │</a:t>
+            </a:r>
+            <a:br>
+              <a:rPr lang="en-US" sz="1050" dirty="0">
+                <a:solidFill>
+                  <a:srgbClr val="000000"/>
+                </a:solidFill>
+                <a:latin typeface="Consolas"/>
+                <a:cs typeface="Consolas"/>
+              </a:rPr>
+            </a:br>
+            <a:r>
+              <a:rPr lang="en-US" sz="1050" dirty="0">
+                <a:solidFill>
+                  <a:srgbClr val="000000"/>
+                </a:solidFill>
+                <a:latin typeface="Consolas"/>
+                <a:cs typeface="Consolas"/>
+              </a:rPr>
+              <a:t>│   try {         │           │   throw null; ──┼── </a:t>
+            </a:r>
+            <a:r>
+              <a:rPr lang="ru-RU" sz="1050" dirty="0">
+                <a:solidFill>
+                  <a:srgbClr val="000000"/>
+                </a:solidFill>
+                <a:latin typeface="Consolas"/>
+                <a:cs typeface="Consolas"/>
+              </a:rPr>
+              <a:t>ищет </a:t>
+            </a:r>
+            <a:r>
+              <a:rPr lang="en-US" sz="1050" dirty="0">
+                <a:solidFill>
+                  <a:srgbClr val="000000"/>
+                </a:solidFill>
+                <a:latin typeface="Consolas"/>
+                <a:cs typeface="Consolas"/>
+              </a:rPr>
+              <a:t>catch </a:t>
+            </a:r>
+            <a:r>
+              <a:rPr lang="ru-RU" sz="1050" dirty="0">
+                <a:solidFill>
+                  <a:srgbClr val="000000"/>
+                </a:solidFill>
+                <a:latin typeface="Consolas"/>
+                <a:cs typeface="Consolas"/>
+              </a:rPr>
+              <a:t>ЗДЕСЬ</a:t>
+            </a:r>
+            <a:br>
+              <a:rPr lang="ru-RU" sz="1050" dirty="0">
+                <a:solidFill>
+                  <a:srgbClr val="000000"/>
+                </a:solidFill>
+                <a:latin typeface="Consolas"/>
+                <a:cs typeface="Consolas"/>
+              </a:rPr>
+            </a:br>
+            <a:r>
+              <a:rPr lang="ru-RU" sz="1050" dirty="0">
+                <a:solidFill>
+                  <a:srgbClr val="000000"/>
+                </a:solidFill>
+                <a:latin typeface="Consolas"/>
+                <a:cs typeface="Consolas"/>
+              </a:rPr>
+              <a:t>│     .</a:t>
+            </a:r>
+            <a:r>
+              <a:rPr lang="en-US" sz="1050" dirty="0">
+                <a:solidFill>
+                  <a:srgbClr val="000000"/>
+                </a:solidFill>
+                <a:latin typeface="Consolas"/>
+                <a:cs typeface="Consolas"/>
+              </a:rPr>
+              <a:t>Start() ───┼──</a:t>
+            </a:r>
+            <a:r>
+              <a:rPr lang="ru-RU" sz="1050" dirty="0">
+                <a:solidFill>
+                  <a:srgbClr val="000000"/>
+                </a:solidFill>
+                <a:latin typeface="Consolas"/>
+                <a:cs typeface="Consolas"/>
+              </a:rPr>
+              <a:t>создал──&gt;│                 │   ↑ вверх по стеку</a:t>
+            </a:r>
+            <a:br>
+              <a:rPr lang="ru-RU" sz="1050" dirty="0">
+                <a:solidFill>
+                  <a:srgbClr val="000000"/>
+                </a:solidFill>
+                <a:latin typeface="Consolas"/>
+                <a:cs typeface="Consolas"/>
+              </a:rPr>
+            </a:br>
+            <a:r>
+              <a:rPr lang="ru-RU" sz="1050" dirty="0">
+                <a:solidFill>
+                  <a:srgbClr val="000000"/>
+                </a:solidFill>
+                <a:latin typeface="Consolas"/>
+                <a:cs typeface="Consolas"/>
+              </a:rPr>
+              <a:t>│   }             │           │ (стек пуст)     │   не нашёл → крах</a:t>
+            </a:r>
+            <a:br>
+              <a:rPr lang="ru-RU" sz="1050" dirty="0">
+                <a:solidFill>
+                  <a:srgbClr val="000000"/>
+                </a:solidFill>
+                <a:latin typeface="Consolas"/>
+                <a:cs typeface="Consolas"/>
+              </a:rPr>
+            </a:br>
+            <a:r>
+              <a:rPr lang="ru-RU" sz="1050" dirty="0">
+                <a:solidFill>
+                  <a:srgbClr val="000000"/>
+                </a:solidFill>
+                <a:latin typeface="Consolas"/>
+                <a:cs typeface="Consolas"/>
+              </a:rPr>
+              <a:t>│   </a:t>
+            </a:r>
+            <a:r>
+              <a:rPr lang="en-US" sz="1050" dirty="0">
+                <a:solidFill>
+                  <a:srgbClr val="000000"/>
+                </a:solidFill>
+                <a:latin typeface="Consolas"/>
+                <a:cs typeface="Consolas"/>
+              </a:rPr>
+              <a:t>catch { ... } │           └─────────────────┘</a:t>
+            </a:r>
+            <a:br>
+              <a:rPr lang="en-US" sz="1050" dirty="0">
+                <a:solidFill>
+                  <a:srgbClr val="000000"/>
+                </a:solidFill>
+                <a:latin typeface="Consolas"/>
+                <a:cs typeface="Consolas"/>
+              </a:rPr>
+            </a:br>
+            <a:r>
+              <a:rPr lang="en-US" sz="1050" dirty="0">
+                <a:solidFill>
+                  <a:srgbClr val="000000"/>
+                </a:solidFill>
+                <a:latin typeface="Consolas"/>
+                <a:cs typeface="Consolas"/>
+              </a:rPr>
+              <a:t>│   //</a:t>
+            </a:r>
+            <a:r>
+              <a:rPr lang="ru-RU" sz="1050" dirty="0">
+                <a:solidFill>
+                  <a:srgbClr val="000000"/>
+                </a:solidFill>
+                <a:latin typeface="Consolas"/>
+                <a:cs typeface="Consolas"/>
+              </a:rPr>
+              <a:t>не сработает│</a:t>
+            </a:r>
+            <a:br>
+              <a:rPr lang="ru-RU" sz="1050" dirty="0">
+                <a:solidFill>
+                  <a:srgbClr val="000000"/>
+                </a:solidFill>
+                <a:latin typeface="Consolas"/>
+                <a:cs typeface="Consolas"/>
+              </a:rPr>
+            </a:br>
+            <a:r>
+              <a:rPr lang="ru-RU" sz="1050" dirty="0">
+                <a:solidFill>
+                  <a:srgbClr val="000000"/>
+                </a:solidFill>
+                <a:latin typeface="Consolas"/>
+                <a:cs typeface="Consolas"/>
+              </a:rPr>
+              <a:t>└─────────────────┘</a:t>
+            </a:r>
+            <a:endParaRPr lang="en-US" sz="1050" dirty="0">
+              <a:solidFill>
+                <a:srgbClr val="000000"/>
+              </a:solidFill>
+              <a:latin typeface="Consolas"/>
+              <a:cs typeface="Consolas"/>
+            </a:endParaRPr>
+          </a:p>
+        </p:txBody>
+      </p:sp>
+    </p:spTree>
+  </p:cSld>
+  <p:clrMapOvr>
+    <a:masterClrMapping/>
+  </p:clrMapOvr>
+</p:sld>
+</file>
+
+<file path=ppt/slides/slide22.xml><?xml version="1.0" encoding="utf-8"?>
+<p:sld xmlns:a="http://schemas.openxmlformats.org/drawingml/2006/main" xmlns:r="http://schemas.openxmlformats.org/officeDocument/2006/relationships" xmlns:p="http://schemas.openxmlformats.org/presentationml/2006/main">
+  <p:cSld>
+    <p:spTree>
+      <p:nvGrpSpPr>
+        <p:cNvPr id="1" name="Shape 135"/>
+        <p:cNvGrpSpPr/>
+        <p:nvPr/>
+      </p:nvGrpSpPr>
+      <p:grpSpPr>
+        <a:xfrm>
+          <a:off x="0" y="0"/>
+          <a:ext cx="0" cy="0"/>
+          <a:chOff x="0" y="0"/>
+          <a:chExt cx="0" cy="0"/>
+        </a:xfrm>
+      </p:grpSpPr>
+      <p:cxnSp>
+        <p:nvCxnSpPr>
+          <p:cNvPr id="137" name="Line"/>
+          <p:cNvCxnSpPr/>
+          <p:nvPr/>
+        </p:nvCxnSpPr>
+        <p:spPr>
+          <a:xfrm rot="10800000" flipH="1">
+            <a:off x="239584" y="4541268"/>
+            <a:ext cx="8649300" cy="2400"/>
+          </a:xfrm>
+          <a:prstGeom prst="straightConnector1">
+            <a:avLst/>
+          </a:prstGeom>
+          <a:noFill/>
+          <a:ln w="9525" cap="flat" cmpd="sng">
+            <a:solidFill>
+              <a:schemeClr val="dk2"/>
+            </a:solidFill>
+            <a:prstDash val="solid"/>
+            <a:round/>
+            <a:headEnd type="none" w="med" len="med"/>
+            <a:tailEnd type="none" w="med" len="med"/>
+          </a:ln>
+        </p:spPr>
+      </p:cxnSp>
+      <p:sp>
+        <p:nvSpPr>
+          <p:cNvPr id="138" name="Footer"/>
+          <p:cNvSpPr txBox="1">
+            <a:spLocks noGrp="1"/>
+          </p:cNvSpPr>
+          <p:nvPr>
+            <p:ph type="title"/>
+          </p:nvPr>
+        </p:nvSpPr>
+        <p:spPr>
+          <a:xfrm>
+            <a:off x="239575" y="4543675"/>
+            <a:ext cx="7452300" cy="393600"/>
+          </a:xfrm>
+          <a:prstGeom prst="rect">
+            <a:avLst/>
+          </a:prstGeom>
+        </p:spPr>
+        <p:txBody>
+          <a:bodyPr spcFirstLastPara="1" wrap="square" lIns="91425" tIns="91425" rIns="91425" bIns="91425" anchor="t" anchorCtr="0">
+            <a:noAutofit/>
+          </a:bodyPr>
+          <a:lstStyle/>
+          <a:p>
+            <a:pPr lvl="0"/>
+            <a:r>
+              <a:rPr lang="ru" sz="1400" dirty="0">
+                <a:solidFill>
+                  <a:srgbClr val="000000"/>
+                </a:solidFill>
+              </a:rPr>
+              <a:t>Многопоточная обработка | </a:t>
+            </a:r>
+            <a:r>
+              <a:rPr lang="ru-RU" sz="1400" dirty="0">
+                <a:solidFill>
+                  <a:srgbClr val="000000"/>
+                </a:solidFill>
+              </a:rPr>
+              <a:t>Обработка исключений</a:t>
+            </a:r>
+            <a:endParaRPr lang="ru" sz="1400" dirty="0">
+              <a:solidFill>
+                <a:srgbClr val="000000"/>
+              </a:solidFill>
+            </a:endParaRPr>
+          </a:p>
+        </p:txBody>
+      </p:sp>
+      <p:sp>
+        <p:nvSpPr>
+          <p:cNvPr id="139" name="Body"/>
+          <p:cNvSpPr txBox="1">
+            <a:spLocks noGrp="1"/>
+          </p:cNvSpPr>
+          <p:nvPr>
+            <p:ph type="title"/>
+          </p:nvPr>
+        </p:nvSpPr>
+        <p:spPr>
+          <a:xfrm>
+            <a:off x="714956" y="363550"/>
+            <a:ext cx="7630881" cy="3700000"/>
+          </a:xfrm>
+          <a:prstGeom prst="rect">
+            <a:avLst/>
+          </a:prstGeom>
+        </p:spPr>
+        <p:txBody>
+          <a:bodyPr spcFirstLastPara="1" wrap="square" lIns="91425" tIns="91425" rIns="91425" bIns="91425" anchor="t" anchorCtr="0">
+            <a:noAutofit/>
+          </a:bodyPr>
+          <a:lstStyle/>
+          <a:p>
+            <a:pPr marL="0" lvl="0" indent="0" algn="just">
+              <a:lnSpc>
+                <a:spcPct val="100000"/>
+              </a:lnSpc>
+              <a:spcBef>
+                <a:spcPts val="0"/>
+              </a:spcBef>
+              <a:spcAft>
+                <a:spcPts val="0"/>
+              </a:spcAft>
+              <a:buNone/>
+            </a:pPr>
+            <a:r>
+              <a:rPr lang="ru" sz="1400" dirty="0">
+                <a:solidFill>
+                  <a:srgbClr val="000000"/>
+                </a:solidFill>
+              </a:rPr>
+              <a:t>Обработчик необходимо переместить </a:t>
+            </a:r>
+            <a:r>
+              <a:rPr lang="ru" sz="1400" b="1" i="1" dirty="0">
+                <a:solidFill>
+                  <a:srgbClr val="1B5E20"/>
+                </a:solidFill>
+              </a:rPr>
+              <a:t>внутрь метода потока</a:t>
+            </a:r>
+            <a:r>
+              <a:rPr lang="ru" sz="1400" dirty="0">
+                <a:solidFill>
+                  <a:srgbClr val="000000"/>
+                </a:solidFill>
+              </a:rPr>
+              <a:t>:</a:t>
+            </a:r>
+          </a:p>
+          <a:p>
+            <a:pPr marL="85725" lvl="0" algn="l">
+              <a:lnSpc>
+                <a:spcPct val="100000"/>
+              </a:lnSpc>
+              <a:spcBef>
+                <a:spcPts val="600"/>
+              </a:spcBef>
+              <a:spcAft>
+                <a:spcPts val="600"/>
+              </a:spcAft>
+              <a:buNone/>
+            </a:pPr>
+            <a:r>
+              <a:rPr lang="en-US" sz="1200" dirty="0">
+                <a:solidFill>
+                  <a:srgbClr val="0000FF"/>
+                </a:solidFill>
+                <a:latin typeface="Consolas"/>
+                <a:cs typeface="Consolas"/>
+              </a:rPr>
+              <a:t>new</a:t>
+            </a:r>
+            <a:r>
+              <a:rPr lang="en-US" sz="1200" dirty="0">
+                <a:solidFill>
+                  <a:srgbClr val="000000"/>
+                </a:solidFill>
+                <a:latin typeface="Consolas"/>
+                <a:cs typeface="Consolas"/>
+              </a:rPr>
+              <a:t> </a:t>
+            </a:r>
+            <a:r>
+              <a:rPr lang="en-US" sz="1200" dirty="0">
+                <a:solidFill>
+                  <a:srgbClr val="2B91AF"/>
+                </a:solidFill>
+                <a:latin typeface="Consolas"/>
+                <a:cs typeface="Consolas"/>
+              </a:rPr>
+              <a:t>Thread</a:t>
+            </a:r>
+            <a:r>
+              <a:rPr lang="en-US" sz="1200" dirty="0">
+                <a:solidFill>
+                  <a:srgbClr val="000000"/>
+                </a:solidFill>
+                <a:latin typeface="Consolas"/>
+                <a:cs typeface="Consolas"/>
+              </a:rPr>
+              <a:t> (Go).Start();</a:t>
+            </a:r>
+            <a:br>
+              <a:rPr lang="en-US" sz="1200" dirty="0">
+                <a:solidFill>
+                  <a:srgbClr val="000000"/>
+                </a:solidFill>
+                <a:latin typeface="Consolas"/>
+                <a:cs typeface="Consolas"/>
+              </a:rPr>
+            </a:br>
+            <a:r>
+              <a:rPr lang="en-US" sz="1200" dirty="0">
+                <a:solidFill>
+                  <a:srgbClr val="0000FF"/>
+                </a:solidFill>
+                <a:latin typeface="Consolas"/>
+                <a:cs typeface="Consolas"/>
+              </a:rPr>
+              <a:t>void</a:t>
+            </a:r>
+            <a:r>
+              <a:rPr lang="en-US" sz="1200" dirty="0">
+                <a:solidFill>
+                  <a:srgbClr val="000000"/>
+                </a:solidFill>
+                <a:latin typeface="Consolas"/>
+                <a:cs typeface="Consolas"/>
+              </a:rPr>
+              <a:t> Go() {</a:t>
+            </a:r>
+            <a:br>
+              <a:rPr lang="en-US" sz="1200" dirty="0">
+                <a:solidFill>
+                  <a:srgbClr val="000000"/>
+                </a:solidFill>
+                <a:latin typeface="Consolas"/>
+                <a:cs typeface="Consolas"/>
+              </a:rPr>
+            </a:br>
+            <a:r>
+              <a:rPr lang="en-US" sz="1200" dirty="0">
+                <a:solidFill>
+                  <a:srgbClr val="000000"/>
+                </a:solidFill>
+                <a:latin typeface="Consolas"/>
+                <a:cs typeface="Consolas"/>
+              </a:rPr>
+              <a:t>  </a:t>
+            </a:r>
+            <a:r>
+              <a:rPr lang="en-US" sz="1200" dirty="0">
+                <a:solidFill>
+                  <a:srgbClr val="0000FF"/>
+                </a:solidFill>
+                <a:latin typeface="Consolas"/>
+                <a:cs typeface="Consolas"/>
+              </a:rPr>
+              <a:t>try</a:t>
+            </a:r>
+            <a:r>
+              <a:rPr lang="en-US" sz="1200" dirty="0">
+                <a:solidFill>
+                  <a:srgbClr val="000000"/>
+                </a:solidFill>
+                <a:latin typeface="Consolas"/>
+                <a:cs typeface="Consolas"/>
+              </a:rPr>
+              <a:t> {</a:t>
+            </a:r>
+            <a:br>
+              <a:rPr lang="en-US" sz="1200" dirty="0">
+                <a:solidFill>
+                  <a:srgbClr val="000000"/>
+                </a:solidFill>
+                <a:latin typeface="Consolas"/>
+                <a:cs typeface="Consolas"/>
+              </a:rPr>
+            </a:br>
+            <a:r>
+              <a:rPr lang="en-US" sz="1200" dirty="0">
+                <a:solidFill>
+                  <a:srgbClr val="000000"/>
+                </a:solidFill>
+                <a:latin typeface="Consolas"/>
+                <a:cs typeface="Consolas"/>
+              </a:rPr>
+              <a:t>    ...</a:t>
+            </a:r>
+            <a:br>
+              <a:rPr lang="en-US" sz="1200" dirty="0">
+                <a:solidFill>
+                  <a:srgbClr val="000000"/>
+                </a:solidFill>
+                <a:latin typeface="Consolas"/>
+                <a:cs typeface="Consolas"/>
+              </a:rPr>
+            </a:br>
+            <a:r>
+              <a:rPr lang="en-US" sz="1200" dirty="0">
+                <a:solidFill>
+                  <a:srgbClr val="000000"/>
+                </a:solidFill>
+                <a:latin typeface="Consolas"/>
+                <a:cs typeface="Consolas"/>
+              </a:rPr>
+              <a:t>    </a:t>
+            </a:r>
+            <a:r>
+              <a:rPr lang="en-US" sz="1200" dirty="0">
+                <a:solidFill>
+                  <a:srgbClr val="0000FF"/>
+                </a:solidFill>
+                <a:latin typeface="Consolas"/>
+                <a:cs typeface="Consolas"/>
+              </a:rPr>
+              <a:t>throw</a:t>
+            </a:r>
+            <a:r>
+              <a:rPr lang="en-US" sz="1200" dirty="0">
+                <a:solidFill>
+                  <a:srgbClr val="000000"/>
+                </a:solidFill>
+                <a:latin typeface="Consolas"/>
+                <a:cs typeface="Consolas"/>
+              </a:rPr>
+              <a:t> </a:t>
+            </a:r>
+            <a:r>
+              <a:rPr lang="en-US" sz="1200" dirty="0">
+                <a:solidFill>
+                  <a:srgbClr val="0000FF"/>
+                </a:solidFill>
+                <a:latin typeface="Consolas"/>
+                <a:cs typeface="Consolas"/>
+              </a:rPr>
+              <a:t>null</a:t>
+            </a:r>
+            <a:r>
+              <a:rPr lang="en-US" sz="1200" dirty="0">
+                <a:solidFill>
+                  <a:srgbClr val="000000"/>
+                </a:solidFill>
+                <a:latin typeface="Consolas"/>
+                <a:cs typeface="Consolas"/>
+              </a:rPr>
+              <a:t>; </a:t>
+            </a:r>
+            <a:r>
+              <a:rPr lang="en-US" sz="1200" dirty="0">
+                <a:solidFill>
+                  <a:srgbClr val="008000"/>
+                </a:solidFill>
+                <a:latin typeface="Consolas"/>
+                <a:cs typeface="Consolas"/>
+              </a:rPr>
+              <a:t>// </a:t>
+            </a:r>
+            <a:r>
+              <a:rPr lang="en-US" sz="1200" dirty="0" err="1">
+                <a:solidFill>
+                  <a:srgbClr val="008000"/>
+                </a:solidFill>
+                <a:latin typeface="Consolas"/>
+                <a:cs typeface="Consolas"/>
+              </a:rPr>
+              <a:t>NullReferenceException</a:t>
+            </a:r>
+            <a:r>
+              <a:rPr lang="en-US" sz="1200" dirty="0">
+                <a:solidFill>
+                  <a:srgbClr val="008000"/>
+                </a:solidFill>
+                <a:latin typeface="Consolas"/>
+                <a:cs typeface="Consolas"/>
+              </a:rPr>
+              <a:t> </a:t>
+            </a:r>
+            <a:r>
+              <a:rPr lang="en-US" sz="1200" dirty="0" err="1">
+                <a:solidFill>
+                  <a:srgbClr val="008000"/>
+                </a:solidFill>
+                <a:latin typeface="Consolas"/>
+                <a:cs typeface="Consolas"/>
+              </a:rPr>
+              <a:t>перехвачено</a:t>
+            </a:r>
+            <a:r>
+              <a:rPr lang="en-US" sz="1200" dirty="0">
+                <a:solidFill>
+                  <a:srgbClr val="008000"/>
+                </a:solidFill>
+                <a:latin typeface="Consolas"/>
+                <a:cs typeface="Consolas"/>
+              </a:rPr>
+              <a:t> </a:t>
+            </a:r>
+            <a:r>
+              <a:rPr lang="en-US" sz="1200" dirty="0" err="1">
+                <a:solidFill>
+                  <a:srgbClr val="008000"/>
+                </a:solidFill>
+                <a:latin typeface="Consolas"/>
+                <a:cs typeface="Consolas"/>
+              </a:rPr>
+              <a:t>ниже</a:t>
+            </a:r>
+            <a:br>
+              <a:rPr lang="en-US" sz="1200" dirty="0">
+                <a:solidFill>
+                  <a:srgbClr val="000000"/>
+                </a:solidFill>
+                <a:latin typeface="Consolas"/>
+                <a:cs typeface="Consolas"/>
+              </a:rPr>
+            </a:br>
+            <a:r>
+              <a:rPr lang="en-US" sz="1200" dirty="0">
+                <a:solidFill>
+                  <a:srgbClr val="000000"/>
+                </a:solidFill>
+                <a:latin typeface="Consolas"/>
+                <a:cs typeface="Consolas"/>
+              </a:rPr>
+              <a:t>    ...</a:t>
+            </a:r>
+            <a:br>
+              <a:rPr lang="en-US" sz="1200" dirty="0">
+                <a:solidFill>
+                  <a:srgbClr val="000000"/>
+                </a:solidFill>
+                <a:latin typeface="Consolas"/>
+                <a:cs typeface="Consolas"/>
+              </a:rPr>
+            </a:br>
+            <a:r>
+              <a:rPr lang="en-US" sz="1200" dirty="0">
+                <a:solidFill>
+                  <a:srgbClr val="000000"/>
+                </a:solidFill>
+                <a:latin typeface="Consolas"/>
+                <a:cs typeface="Consolas"/>
+              </a:rPr>
+              <a:t>  }</a:t>
+            </a:r>
+            <a:br>
+              <a:rPr lang="en-US" sz="1200" dirty="0">
+                <a:solidFill>
+                  <a:srgbClr val="000000"/>
+                </a:solidFill>
+                <a:latin typeface="Consolas"/>
+                <a:cs typeface="Consolas"/>
+              </a:rPr>
+            </a:br>
+            <a:r>
+              <a:rPr lang="en-US" sz="1200" dirty="0">
+                <a:solidFill>
+                  <a:srgbClr val="000000"/>
+                </a:solidFill>
+                <a:latin typeface="Consolas"/>
+                <a:cs typeface="Consolas"/>
+              </a:rPr>
+              <a:t>  </a:t>
+            </a:r>
+            <a:r>
+              <a:rPr lang="en-US" sz="1200" dirty="0">
+                <a:solidFill>
+                  <a:srgbClr val="0000FF"/>
+                </a:solidFill>
+                <a:latin typeface="Consolas"/>
+                <a:cs typeface="Consolas"/>
+              </a:rPr>
+              <a:t>catch</a:t>
+            </a:r>
+            <a:r>
+              <a:rPr lang="en-US" sz="1200" dirty="0">
+                <a:solidFill>
+                  <a:srgbClr val="000000"/>
+                </a:solidFill>
+                <a:latin typeface="Consolas"/>
+                <a:cs typeface="Consolas"/>
+              </a:rPr>
+              <a:t> (</a:t>
+            </a:r>
+            <a:r>
+              <a:rPr lang="en-US" sz="1200" dirty="0">
+                <a:solidFill>
+                  <a:srgbClr val="2B91AF"/>
+                </a:solidFill>
+                <a:latin typeface="Consolas"/>
+                <a:cs typeface="Consolas"/>
+              </a:rPr>
+              <a:t>Exception</a:t>
+            </a:r>
+            <a:r>
+              <a:rPr lang="en-US" sz="1200" dirty="0">
+                <a:solidFill>
+                  <a:srgbClr val="000000"/>
+                </a:solidFill>
+                <a:latin typeface="Consolas"/>
+                <a:cs typeface="Consolas"/>
+              </a:rPr>
+              <a:t> ex) {</a:t>
+            </a:r>
+            <a:br>
+              <a:rPr lang="en-US" sz="1200" dirty="0">
+                <a:solidFill>
+                  <a:srgbClr val="000000"/>
+                </a:solidFill>
+                <a:latin typeface="Consolas"/>
+                <a:cs typeface="Consolas"/>
+              </a:rPr>
+            </a:br>
+            <a:r>
+              <a:rPr lang="en-US" sz="1200" dirty="0">
+                <a:solidFill>
+                  <a:srgbClr val="000000"/>
+                </a:solidFill>
+                <a:latin typeface="Consolas"/>
+                <a:cs typeface="Consolas"/>
+              </a:rPr>
+              <a:t>    </a:t>
+            </a:r>
+            <a:r>
+              <a:rPr lang="en-US" sz="1200" dirty="0">
+                <a:solidFill>
+                  <a:srgbClr val="008000"/>
+                </a:solidFill>
+                <a:latin typeface="Consolas"/>
+                <a:cs typeface="Consolas"/>
+              </a:rPr>
+              <a:t>// </a:t>
+            </a:r>
+            <a:r>
+              <a:rPr lang="en-US" sz="1200" dirty="0" err="1">
+                <a:solidFill>
+                  <a:srgbClr val="008000"/>
+                </a:solidFill>
+                <a:latin typeface="Consolas"/>
+                <a:cs typeface="Consolas"/>
+              </a:rPr>
+              <a:t>Зарегистрировать</a:t>
+            </a:r>
+            <a:r>
+              <a:rPr lang="en-US" sz="1200" dirty="0">
+                <a:solidFill>
+                  <a:srgbClr val="008000"/>
+                </a:solidFill>
+                <a:latin typeface="Consolas"/>
+                <a:cs typeface="Consolas"/>
+              </a:rPr>
+              <a:t> </a:t>
+            </a:r>
+            <a:r>
+              <a:rPr lang="en-US" sz="1200" dirty="0" err="1">
+                <a:solidFill>
+                  <a:srgbClr val="008000"/>
+                </a:solidFill>
+                <a:latin typeface="Consolas"/>
+                <a:cs typeface="Consolas"/>
+              </a:rPr>
+              <a:t>исключение</a:t>
+            </a:r>
+            <a:r>
+              <a:rPr lang="en-US" sz="1200" dirty="0">
+                <a:solidFill>
+                  <a:srgbClr val="008000"/>
+                </a:solidFill>
+                <a:latin typeface="Consolas"/>
+                <a:cs typeface="Consolas"/>
+              </a:rPr>
+              <a:t> в </a:t>
+            </a:r>
+            <a:r>
+              <a:rPr lang="en-US" sz="1200" dirty="0" err="1">
+                <a:solidFill>
+                  <a:srgbClr val="008000"/>
+                </a:solidFill>
+                <a:latin typeface="Consolas"/>
+                <a:cs typeface="Consolas"/>
+              </a:rPr>
+              <a:t>журнале</a:t>
+            </a:r>
+            <a:br>
+              <a:rPr lang="en-US" sz="1200" dirty="0">
+                <a:solidFill>
+                  <a:srgbClr val="000000"/>
+                </a:solidFill>
+                <a:latin typeface="Consolas"/>
+                <a:cs typeface="Consolas"/>
+              </a:rPr>
+            </a:br>
+            <a:r>
+              <a:rPr lang="en-US" sz="1200" dirty="0">
+                <a:solidFill>
+                  <a:srgbClr val="000000"/>
+                </a:solidFill>
+                <a:latin typeface="Consolas"/>
+                <a:cs typeface="Consolas"/>
+              </a:rPr>
+              <a:t>    </a:t>
+            </a:r>
+            <a:r>
+              <a:rPr lang="en-US" sz="1200" dirty="0">
+                <a:solidFill>
+                  <a:srgbClr val="008000"/>
+                </a:solidFill>
+                <a:latin typeface="Consolas"/>
+                <a:cs typeface="Consolas"/>
+              </a:rPr>
+              <a:t>// и/</a:t>
+            </a:r>
+            <a:r>
+              <a:rPr lang="en-US" sz="1200" dirty="0" err="1">
+                <a:solidFill>
+                  <a:srgbClr val="008000"/>
+                </a:solidFill>
+                <a:latin typeface="Consolas"/>
+                <a:cs typeface="Consolas"/>
+              </a:rPr>
+              <a:t>или</a:t>
+            </a:r>
+            <a:r>
+              <a:rPr lang="en-US" sz="1200" dirty="0">
+                <a:solidFill>
+                  <a:srgbClr val="008000"/>
+                </a:solidFill>
+                <a:latin typeface="Consolas"/>
+                <a:cs typeface="Consolas"/>
+              </a:rPr>
+              <a:t> </a:t>
+            </a:r>
+            <a:r>
+              <a:rPr lang="en-US" sz="1200" dirty="0" err="1">
+                <a:solidFill>
+                  <a:srgbClr val="008000"/>
+                </a:solidFill>
+                <a:latin typeface="Consolas"/>
+                <a:cs typeface="Consolas"/>
+              </a:rPr>
+              <a:t>сигнализировать</a:t>
+            </a:r>
+            <a:r>
+              <a:rPr lang="en-US" sz="1200" dirty="0">
+                <a:solidFill>
+                  <a:srgbClr val="008000"/>
+                </a:solidFill>
+                <a:latin typeface="Consolas"/>
+                <a:cs typeface="Consolas"/>
+              </a:rPr>
+              <a:t> </a:t>
+            </a:r>
+            <a:r>
+              <a:rPr lang="en-US" sz="1200" dirty="0" err="1">
+                <a:solidFill>
+                  <a:srgbClr val="008000"/>
+                </a:solidFill>
+                <a:latin typeface="Consolas"/>
+                <a:cs typeface="Consolas"/>
+              </a:rPr>
+              <a:t>другому</a:t>
+            </a:r>
+            <a:r>
+              <a:rPr lang="en-US" sz="1200" dirty="0">
+                <a:solidFill>
+                  <a:srgbClr val="008000"/>
+                </a:solidFill>
+                <a:latin typeface="Consolas"/>
+                <a:cs typeface="Consolas"/>
+              </a:rPr>
+              <a:t> </a:t>
+            </a:r>
+            <a:r>
+              <a:rPr lang="en-US" sz="1200" dirty="0" err="1">
+                <a:solidFill>
+                  <a:srgbClr val="008000"/>
+                </a:solidFill>
+                <a:latin typeface="Consolas"/>
+                <a:cs typeface="Consolas"/>
+              </a:rPr>
+              <a:t>потоку</a:t>
+            </a:r>
+            <a:br>
+              <a:rPr lang="en-US" sz="1200" dirty="0">
+                <a:solidFill>
+                  <a:srgbClr val="000000"/>
+                </a:solidFill>
+                <a:latin typeface="Consolas"/>
+                <a:cs typeface="Consolas"/>
+              </a:rPr>
+            </a:br>
+            <a:r>
+              <a:rPr lang="en-US" sz="1200" dirty="0">
+                <a:solidFill>
+                  <a:srgbClr val="000000"/>
+                </a:solidFill>
+                <a:latin typeface="Consolas"/>
+                <a:cs typeface="Consolas"/>
+              </a:rPr>
+              <a:t>  }</a:t>
+            </a:r>
+            <a:br>
+              <a:rPr lang="en-US" sz="1200" dirty="0">
+                <a:solidFill>
+                  <a:srgbClr val="000000"/>
+                </a:solidFill>
+                <a:latin typeface="Consolas"/>
+                <a:cs typeface="Consolas"/>
+              </a:rPr>
+            </a:br>
+            <a:r>
+              <a:rPr lang="en-US" sz="1200" dirty="0">
+                <a:solidFill>
+                  <a:srgbClr val="000000"/>
+                </a:solidFill>
+                <a:latin typeface="Consolas"/>
+                <a:cs typeface="Consolas"/>
+              </a:rPr>
+              <a:t>}</a:t>
+            </a:r>
+          </a:p>
+          <a:p>
+            <a:pPr marL="387350" lvl="0" indent="-285750" algn="just">
+              <a:lnSpc>
+                <a:spcPct val="100000"/>
+              </a:lnSpc>
+              <a:spcBef>
+                <a:spcPts val="400"/>
+              </a:spcBef>
+              <a:spcAft>
+                <a:spcPts val="0"/>
+              </a:spcAft>
+              <a:buClrTx/>
+              <a:buSzPts val="1400"/>
+              <a:buFont typeface="Wingdings" panose="05000000000000000000" pitchFamily="2" charset="2"/>
+              <a:buChar char="v"/>
+            </a:pPr>
+            <a:r>
+              <a:rPr lang="ru" sz="1400" dirty="0">
+                <a:solidFill>
+                  <a:srgbClr val="000000"/>
+                </a:solidFill>
+              </a:rPr>
+              <a:t>В производственных приложениях необходимо предусмотреть обработчики исключений для </a:t>
+            </a:r>
+            <a:r>
+              <a:rPr lang="ru" sz="1400" b="1" dirty="0">
+                <a:solidFill>
+                  <a:srgbClr val="000000"/>
+                </a:solidFill>
+              </a:rPr>
+              <a:t>всех методов входа в потоки</a:t>
+            </a:r>
+            <a:r>
+              <a:rPr lang="ru" sz="1400" dirty="0">
+                <a:solidFill>
+                  <a:srgbClr val="000000"/>
+                </a:solidFill>
+              </a:rPr>
+              <a:t> — в точности как в главном потоке.</a:t>
+            </a:r>
+          </a:p>
+          <a:p>
+            <a:pPr marL="387350" lvl="0" indent="-285750" algn="just">
+              <a:lnSpc>
+                <a:spcPct val="100000"/>
+              </a:lnSpc>
+              <a:spcBef>
+                <a:spcPts val="400"/>
+              </a:spcBef>
+              <a:spcAft>
+                <a:spcPts val="0"/>
+              </a:spcAft>
+              <a:buClrTx/>
+              <a:buSzPts val="1400"/>
+              <a:buFont typeface="Wingdings" panose="05000000000000000000" pitchFamily="2" charset="2"/>
+              <a:buChar char="v"/>
+            </a:pPr>
+            <a:r>
+              <a:rPr lang="ru" sz="1400" dirty="0">
+                <a:solidFill>
+                  <a:srgbClr val="000000"/>
+                </a:solidFill>
+              </a:rPr>
+              <a:t>Необработанное исключение приведёт к </a:t>
+            </a:r>
+            <a:r>
+              <a:rPr lang="ru" sz="1400" b="1" dirty="0">
+                <a:solidFill>
+                  <a:srgbClr val="1B5E20"/>
+                </a:solidFill>
+              </a:rPr>
+              <a:t>прекращению работы всего приложения</a:t>
+            </a:r>
+            <a:r>
+              <a:rPr lang="ru" sz="1400" dirty="0">
+                <a:solidFill>
+                  <a:srgbClr val="000000"/>
+                </a:solidFill>
+              </a:rPr>
+              <a:t>!</a:t>
+            </a:r>
+          </a:p>
+          <a:p>
+            <a:pPr marL="387350" lvl="0" indent="-285750" algn="just">
+              <a:lnSpc>
+                <a:spcPct val="100000"/>
+              </a:lnSpc>
+              <a:spcBef>
+                <a:spcPts val="400"/>
+              </a:spcBef>
+              <a:spcAft>
+                <a:spcPts val="0"/>
+              </a:spcAft>
+              <a:buClrTx/>
+              <a:buSzPts val="1400"/>
+              <a:buFont typeface="Wingdings" panose="05000000000000000000" pitchFamily="2" charset="2"/>
+              <a:buChar char="v"/>
+            </a:pPr>
+            <a:r>
+              <a:rPr lang="ru" sz="1400" dirty="0">
+                <a:solidFill>
+                  <a:srgbClr val="000000"/>
+                </a:solidFill>
+              </a:rPr>
+              <a:t>Обычно в </a:t>
+            </a:r>
+            <a:r>
+              <a:rPr lang="ru" sz="1400" b="1" dirty="0">
+                <a:solidFill>
+                  <a:srgbClr val="0D47A1"/>
+                </a:solidFill>
+              </a:rPr>
+              <a:t>catch</a:t>
+            </a:r>
+            <a:r>
+              <a:rPr lang="ru" sz="1400" dirty="0">
+                <a:solidFill>
+                  <a:srgbClr val="000000"/>
+                </a:solidFill>
+              </a:rPr>
+              <a:t> регистрируют исключение в журнале и/или перезапускают приложение.</a:t>
+            </a:r>
+          </a:p>
+        </p:txBody>
+      </p:sp>
+    </p:spTree>
+  </p:cSld>
+  <p:clrMapOvr>
+    <a:masterClrMapping/>
+  </p:clrMapOvr>
+</p:sld>
+</file>
+
+<file path=ppt/slides/slide23.xml><?xml version="1.0" encoding="utf-8"?>
+<p:sld xmlns:a="http://schemas.openxmlformats.org/drawingml/2006/main" xmlns:r="http://schemas.openxmlformats.org/officeDocument/2006/relationships" xmlns:p="http://schemas.openxmlformats.org/presentationml/2006/main">
+  <p:cSld>
+    <p:spTree>
+      <p:nvGrpSpPr>
+        <p:cNvPr id="1" name="Shape 135"/>
+        <p:cNvGrpSpPr/>
+        <p:nvPr/>
+      </p:nvGrpSpPr>
+      <p:grpSpPr>
+        <a:xfrm>
+          <a:off x="0" y="0"/>
+          <a:ext cx="0" cy="0"/>
+          <a:chOff x="0" y="0"/>
+          <a:chExt cx="0" cy="0"/>
+        </a:xfrm>
+      </p:grpSpPr>
+      <p:sp>
+        <p:nvSpPr>
+          <p:cNvPr id="136" name="Title"/>
+          <p:cNvSpPr txBox="1">
+            <a:spLocks noGrp="1"/>
+          </p:cNvSpPr>
+          <p:nvPr>
+            <p:ph type="title"/>
+          </p:nvPr>
+        </p:nvSpPr>
+        <p:spPr>
+          <a:xfrm>
+            <a:off x="536713" y="230944"/>
+            <a:ext cx="8055000" cy="644700"/>
+          </a:xfrm>
+          <a:prstGeom prst="rect">
+            <a:avLst/>
+          </a:prstGeom>
+        </p:spPr>
+        <p:txBody>
+          <a:bodyPr spcFirstLastPara="1" wrap="square" lIns="91425" tIns="91425" rIns="91425" bIns="91425" anchor="t" anchorCtr="0">
+            <a:normAutofit/>
+          </a:bodyPr>
+          <a:lstStyle/>
+          <a:p>
+            <a:pPr marL="0" lvl="0" indent="0" algn="ctr">
+              <a:spcBef>
+                <a:spcPts val="0"/>
+              </a:spcBef>
+              <a:spcAft>
+                <a:spcPts val="0"/>
+              </a:spcAft>
+              <a:buNone/>
+            </a:pPr>
+            <a:r>
+              <a:rPr lang="ru" sz="2400" b="1" dirty="0">
+                <a:solidFill>
+                  <a:srgbClr val="000000"/>
+                </a:solidFill>
+              </a:rPr>
+              <a:t>Централизованная обработка исключений</a:t>
+            </a:r>
+          </a:p>
+        </p:txBody>
+      </p:sp>
+      <p:cxnSp>
+        <p:nvCxnSpPr>
+          <p:cNvPr id="137" name="Line"/>
+          <p:cNvCxnSpPr/>
+          <p:nvPr/>
+        </p:nvCxnSpPr>
+        <p:spPr>
+          <a:xfrm rot="10800000" flipH="1">
+            <a:off x="239584" y="4541268"/>
+            <a:ext cx="8649300" cy="2400"/>
+          </a:xfrm>
+          <a:prstGeom prst="straightConnector1">
+            <a:avLst/>
+          </a:prstGeom>
+          <a:noFill/>
+          <a:ln w="9525" cap="flat" cmpd="sng">
+            <a:solidFill>
+              <a:schemeClr val="dk2"/>
+            </a:solidFill>
+            <a:prstDash val="solid"/>
+            <a:round/>
+            <a:headEnd type="none" w="med" len="med"/>
+            <a:tailEnd type="none" w="med" len="med"/>
+          </a:ln>
+        </p:spPr>
+      </p:cxnSp>
+      <p:sp>
+        <p:nvSpPr>
+          <p:cNvPr id="138" name="Footer"/>
+          <p:cNvSpPr txBox="1">
+            <a:spLocks noGrp="1"/>
+          </p:cNvSpPr>
+          <p:nvPr>
+            <p:ph type="title"/>
+          </p:nvPr>
+        </p:nvSpPr>
+        <p:spPr>
+          <a:xfrm>
+            <a:off x="239575" y="4543675"/>
+            <a:ext cx="7452300" cy="393600"/>
+          </a:xfrm>
+          <a:prstGeom prst="rect">
+            <a:avLst/>
+          </a:prstGeom>
+        </p:spPr>
+        <p:txBody>
+          <a:bodyPr spcFirstLastPara="1" wrap="square" lIns="91425" tIns="91425" rIns="91425" bIns="91425" anchor="t" anchorCtr="0">
+            <a:noAutofit/>
+          </a:bodyPr>
+          <a:lstStyle/>
+          <a:p>
+            <a:pPr lvl="0"/>
+            <a:r>
+              <a:rPr lang="ru" sz="1400" dirty="0">
+                <a:solidFill>
+                  <a:srgbClr val="000000"/>
+                </a:solidFill>
+              </a:rPr>
+              <a:t>Многопоточная обработка | </a:t>
+            </a:r>
+            <a:r>
+              <a:rPr lang="ru-RU" sz="1400" dirty="0">
+                <a:solidFill>
+                  <a:srgbClr val="000000"/>
+                </a:solidFill>
+              </a:rPr>
+              <a:t>Обработка исключений</a:t>
+            </a:r>
+            <a:endParaRPr lang="ru" sz="1400" dirty="0">
+              <a:solidFill>
+                <a:srgbClr val="000000"/>
+              </a:solidFill>
+            </a:endParaRPr>
+          </a:p>
+        </p:txBody>
+      </p:sp>
+      <p:sp>
+        <p:nvSpPr>
+          <p:cNvPr id="139" name="Body"/>
+          <p:cNvSpPr txBox="1">
+            <a:spLocks noGrp="1"/>
+          </p:cNvSpPr>
+          <p:nvPr>
+            <p:ph type="title"/>
+          </p:nvPr>
+        </p:nvSpPr>
+        <p:spPr>
+          <a:xfrm>
+            <a:off x="505729" y="743258"/>
+            <a:ext cx="8055000" cy="3700000"/>
+          </a:xfrm>
+          <a:prstGeom prst="rect">
+            <a:avLst/>
+          </a:prstGeom>
+        </p:spPr>
+        <p:txBody>
+          <a:bodyPr spcFirstLastPara="1" wrap="square" lIns="91425" tIns="91425" rIns="91425" bIns="91425" anchor="t" anchorCtr="0">
+            <a:noAutofit/>
+          </a:bodyPr>
+          <a:lstStyle/>
+          <a:p>
+            <a:pPr marL="0" lvl="0" indent="0" algn="just">
+              <a:lnSpc>
+                <a:spcPct val="100000"/>
+              </a:lnSpc>
+              <a:spcBef>
+                <a:spcPts val="0"/>
+              </a:spcBef>
+              <a:spcAft>
+                <a:spcPts val="0"/>
+              </a:spcAft>
+              <a:buNone/>
+            </a:pPr>
+            <a:r>
+              <a:rPr lang="ru" sz="1400" dirty="0">
+                <a:solidFill>
+                  <a:srgbClr val="000000"/>
+                </a:solidFill>
+              </a:rPr>
+              <a:t>В приложениях WPF, UWP и Windows Forms можно подписаться на «глобальные» события обработки исключений:</a:t>
+            </a:r>
+          </a:p>
+          <a:p>
+            <a:pPr marL="85725" lvl="0" algn="l">
+              <a:lnSpc>
+                <a:spcPct val="100000"/>
+              </a:lnSpc>
+              <a:spcBef>
+                <a:spcPts val="600"/>
+              </a:spcBef>
+              <a:spcAft>
+                <a:spcPts val="600"/>
+              </a:spcAft>
+              <a:buNone/>
+            </a:pPr>
+            <a:r>
+              <a:rPr lang="en-US" sz="1200" dirty="0">
+                <a:solidFill>
+                  <a:srgbClr val="008000"/>
+                </a:solidFill>
+                <a:latin typeface="Consolas"/>
+                <a:cs typeface="Consolas"/>
+              </a:rPr>
+              <a:t>// WPF:</a:t>
+            </a:r>
+            <a:br>
+              <a:rPr lang="en-US" sz="1200" dirty="0">
+                <a:solidFill>
+                  <a:srgbClr val="000000"/>
+                </a:solidFill>
+                <a:latin typeface="Consolas"/>
+                <a:cs typeface="Consolas"/>
+              </a:rPr>
+            </a:br>
+            <a:r>
+              <a:rPr lang="en-US" sz="1200" dirty="0">
+                <a:solidFill>
+                  <a:srgbClr val="2B91AF"/>
+                </a:solidFill>
+                <a:latin typeface="Consolas"/>
+                <a:cs typeface="Consolas"/>
+              </a:rPr>
+              <a:t>Application</a:t>
+            </a:r>
+            <a:r>
+              <a:rPr lang="en-US" sz="1200" dirty="0">
+                <a:solidFill>
+                  <a:srgbClr val="000000"/>
+                </a:solidFill>
+                <a:latin typeface="Consolas"/>
+                <a:cs typeface="Consolas"/>
+              </a:rPr>
+              <a:t>.DispatcherUnhandledException += ...;</a:t>
+            </a:r>
+            <a:br>
+              <a:rPr lang="en-US" sz="1200" dirty="0">
+                <a:solidFill>
+                  <a:srgbClr val="000000"/>
+                </a:solidFill>
+                <a:latin typeface="Consolas"/>
+                <a:cs typeface="Consolas"/>
+              </a:rPr>
+            </a:br>
+            <a:br>
+              <a:rPr lang="en-US" sz="1200" dirty="0">
+                <a:solidFill>
+                  <a:srgbClr val="000000"/>
+                </a:solidFill>
+                <a:latin typeface="Consolas"/>
+                <a:cs typeface="Consolas"/>
+              </a:rPr>
+            </a:br>
+            <a:r>
+              <a:rPr lang="en-US" sz="1200" dirty="0">
+                <a:solidFill>
+                  <a:srgbClr val="008000"/>
+                </a:solidFill>
+                <a:latin typeface="Consolas"/>
+                <a:cs typeface="Consolas"/>
+              </a:rPr>
+              <a:t>// Windows Forms:</a:t>
+            </a:r>
+            <a:br>
+              <a:rPr lang="en-US" sz="1200" dirty="0">
+                <a:solidFill>
+                  <a:srgbClr val="000000"/>
+                </a:solidFill>
+                <a:latin typeface="Consolas"/>
+                <a:cs typeface="Consolas"/>
+              </a:rPr>
+            </a:br>
+            <a:r>
+              <a:rPr lang="en-US" sz="1200" dirty="0">
+                <a:solidFill>
+                  <a:srgbClr val="2B91AF"/>
+                </a:solidFill>
+                <a:latin typeface="Consolas"/>
+                <a:cs typeface="Consolas"/>
+              </a:rPr>
+              <a:t>Application</a:t>
+            </a:r>
+            <a:r>
+              <a:rPr lang="en-US" sz="1200" dirty="0">
+                <a:solidFill>
+                  <a:srgbClr val="000000"/>
+                </a:solidFill>
+                <a:latin typeface="Consolas"/>
+                <a:cs typeface="Consolas"/>
+              </a:rPr>
+              <a:t>.ThreadException += ...;</a:t>
+            </a:r>
+          </a:p>
+          <a:p>
+            <a:pPr marL="387350" lvl="0" indent="-285750" algn="just">
+              <a:lnSpc>
+                <a:spcPct val="100000"/>
+              </a:lnSpc>
+              <a:spcBef>
+                <a:spcPts val="400"/>
+              </a:spcBef>
+              <a:spcAft>
+                <a:spcPts val="0"/>
+              </a:spcAft>
+              <a:buClrTx/>
+              <a:buSzPts val="1400"/>
+              <a:buFont typeface="Wingdings" panose="05000000000000000000" pitchFamily="2" charset="2"/>
+              <a:buChar char="v"/>
+            </a:pPr>
+            <a:r>
+              <a:rPr lang="ru" sz="1400" dirty="0">
+                <a:solidFill>
+                  <a:srgbClr val="000000"/>
+                </a:solidFill>
+              </a:rPr>
+              <a:t>Эти события инициируются после возникновения необработанного исключения в любой части программы, вызванной в </a:t>
+            </a:r>
+            <a:r>
+              <a:rPr lang="ru" sz="1400" b="1" i="1" dirty="0">
+                <a:solidFill>
+                  <a:srgbClr val="1B5E20"/>
+                </a:solidFill>
+              </a:rPr>
+              <a:t>цикле сообщений</a:t>
+            </a:r>
+            <a:r>
+              <a:rPr lang="ru" sz="1400" dirty="0">
+                <a:solidFill>
+                  <a:srgbClr val="000000"/>
+                </a:solidFill>
+              </a:rPr>
+              <a:t> (весь код в главном потоке, пока активен </a:t>
+            </a:r>
+            <a:r>
+              <a:rPr lang="ru" sz="1400" b="1" dirty="0">
+                <a:solidFill>
+                  <a:srgbClr val="0D47A1"/>
+                </a:solidFill>
+              </a:rPr>
+              <a:t>Application</a:t>
+            </a:r>
+            <a:r>
+              <a:rPr lang="ru" sz="1400" dirty="0">
+                <a:solidFill>
+                  <a:srgbClr val="000000"/>
+                </a:solidFill>
+              </a:rPr>
+              <a:t>).</a:t>
+            </a:r>
+          </a:p>
+          <a:p>
+            <a:pPr marL="387350" lvl="0" indent="-285750" algn="just">
+              <a:lnSpc>
+                <a:spcPct val="100000"/>
+              </a:lnSpc>
+              <a:spcBef>
+                <a:spcPts val="400"/>
+              </a:spcBef>
+              <a:spcAft>
+                <a:spcPts val="0"/>
+              </a:spcAft>
+              <a:buClrTx/>
+              <a:buSzPts val="1400"/>
+              <a:buFont typeface="Wingdings" panose="05000000000000000000" pitchFamily="2" charset="2"/>
+              <a:buChar char="v"/>
+            </a:pPr>
+            <a:r>
+              <a:rPr lang="ru" sz="1400" dirty="0">
+                <a:solidFill>
+                  <a:srgbClr val="000000"/>
+                </a:solidFill>
+              </a:rPr>
+              <a:t>Полезны как </a:t>
+            </a:r>
+            <a:r>
+              <a:rPr lang="ru" sz="1400" b="1" dirty="0">
+                <a:solidFill>
+                  <a:srgbClr val="000000"/>
+                </a:solidFill>
+              </a:rPr>
+              <a:t>резервное средство</a:t>
+            </a:r>
+            <a:r>
+              <a:rPr lang="ru" sz="1400" dirty="0">
+                <a:solidFill>
+                  <a:srgbClr val="000000"/>
+                </a:solidFill>
+              </a:rPr>
+              <a:t> для регистрации и сообщения об ошибках.</a:t>
+            </a:r>
+          </a:p>
+          <a:p>
+            <a:pPr marL="387350" lvl="0" indent="-285750" algn="just">
+              <a:lnSpc>
+                <a:spcPct val="100000"/>
+              </a:lnSpc>
+              <a:spcBef>
+                <a:spcPts val="400"/>
+              </a:spcBef>
+              <a:spcAft>
+                <a:spcPts val="0"/>
+              </a:spcAft>
+              <a:buClrTx/>
+              <a:buSzPts val="1400"/>
+              <a:buFont typeface="Wingdings" panose="05000000000000000000" pitchFamily="2" charset="2"/>
+              <a:buChar char="v"/>
+            </a:pPr>
+            <a:r>
+              <a:rPr lang="ru" sz="1400" dirty="0">
+                <a:solidFill>
+                  <a:srgbClr val="000000"/>
+                </a:solidFill>
+              </a:rPr>
+              <a:t>Ограничение: </a:t>
+            </a:r>
+            <a:r>
+              <a:rPr lang="ru" sz="1400" b="1" dirty="0">
+                <a:solidFill>
+                  <a:srgbClr val="1B5E20"/>
+                </a:solidFill>
+              </a:rPr>
+              <a:t>неприменимы</a:t>
+            </a:r>
+            <a:r>
+              <a:rPr lang="ru" sz="1400" dirty="0">
+                <a:solidFill>
+                  <a:srgbClr val="000000"/>
+                </a:solidFill>
+              </a:rPr>
+              <a:t> для необработанных исключений в созданных вами потоках, не относящихся к UI.</a:t>
+            </a:r>
+          </a:p>
+          <a:p>
+            <a:pPr marL="387350" lvl="0" indent="-285750" algn="just">
+              <a:lnSpc>
+                <a:spcPct val="100000"/>
+              </a:lnSpc>
+              <a:spcBef>
+                <a:spcPts val="400"/>
+              </a:spcBef>
+              <a:spcAft>
+                <a:spcPts val="0"/>
+              </a:spcAft>
+              <a:buClrTx/>
+              <a:buSzPts val="1400"/>
+              <a:buFont typeface="Wingdings" panose="05000000000000000000" pitchFamily="2" charset="2"/>
+              <a:buChar char="v"/>
+            </a:pPr>
+            <a:r>
+              <a:rPr lang="ru" sz="1400" dirty="0">
+                <a:solidFill>
+                  <a:srgbClr val="000000"/>
+                </a:solidFill>
+              </a:rPr>
+              <a:t>Обработка этих событий предотвращает аварийное завершение, но впоследствии может потребоваться </a:t>
+            </a:r>
+            <a:r>
+              <a:rPr lang="ru" sz="1400" b="1" dirty="0">
+                <a:solidFill>
+                  <a:srgbClr val="000000"/>
+                </a:solidFill>
+              </a:rPr>
+              <a:t>перезапуск приложения</a:t>
+            </a:r>
+            <a:r>
+              <a:rPr lang="ru" sz="1400" dirty="0">
+                <a:solidFill>
+                  <a:srgbClr val="000000"/>
+                </a:solidFill>
+              </a:rPr>
+              <a:t> во избежание разрушения состояния.</a:t>
             </a:r>
           </a:p>
         </p:txBody>
@@ -19013,7 +21334,8 @@
                 <a:srgbClr val="000000"/>
               </a:buClr>
               <a:buSzPts val="1400"/>
-              <a:buChar char="➔"/>
+              <a:buFont typeface="Wingdings" panose="05000000000000000000" pitchFamily="2" charset="2"/>
+              <a:buChar char="Ø"/>
             </a:pPr>
             <a:r>
               <a:rPr lang="ru" sz="1400" b="1" dirty="0">
@@ -19047,7 +21369,8 @@
                 <a:srgbClr val="000000"/>
               </a:buClr>
               <a:buSzPts val="1400"/>
-              <a:buChar char="➔"/>
+              <a:buFont typeface="Wingdings" panose="05000000000000000000" pitchFamily="2" charset="2"/>
+              <a:buChar char="Ø"/>
             </a:pPr>
             <a:r>
               <a:rPr lang="ru" sz="1400" b="1" dirty="0">
@@ -19363,11 +21686,10 @@
               <a:spcAft>
                 <a:spcPts val="0"/>
               </a:spcAft>
-              <a:buClr>
-                <a:srgbClr val="1B5E20"/>
-              </a:buClr>
-              <a:buSzPts val="1400"/>
-              <a:buChar char="❖"/>
+              <a:buClrTx/>
+              <a:buSzPct val="100000"/>
+              <a:buFont typeface="Wingdings" panose="05000000000000000000" pitchFamily="2" charset="2"/>
+              <a:buChar char="v"/>
             </a:pPr>
             <a:r>
               <a:rPr lang="ru" sz="1300" dirty="0">
@@ -19421,11 +21743,10 @@
               <a:spcAft>
                 <a:spcPts val="0"/>
               </a:spcAft>
-              <a:buClr>
-                <a:srgbClr val="1B5E20"/>
-              </a:buClr>
-              <a:buSzPts val="1400"/>
-              <a:buChar char="❖"/>
+              <a:buClrTx/>
+              <a:buSzPct val="100000"/>
+              <a:buFont typeface="Wingdings" panose="05000000000000000000" pitchFamily="2" charset="2"/>
+              <a:buChar char="v"/>
             </a:pPr>
             <a:r>
               <a:rPr lang="ru" sz="1300" dirty="0">
@@ -20113,7 +22434,8 @@
                 <a:srgbClr val="000000"/>
               </a:buClr>
               <a:buSzPts val="1400"/>
-              <a:buChar char="➔"/>
+              <a:buFont typeface="Wingdings" panose="05000000000000000000" pitchFamily="2" charset="2"/>
+              <a:buChar char="Ø"/>
             </a:pPr>
             <a:r>
               <a:rPr lang="ru" sz="1400" b="1" dirty="0">
@@ -20147,7 +22469,8 @@
                 <a:srgbClr val="000000"/>
               </a:buClr>
               <a:buSzPts val="1400"/>
-              <a:buChar char="➔"/>
+              <a:buFont typeface="Wingdings" panose="05000000000000000000" pitchFamily="2" charset="2"/>
+              <a:buChar char="Ø"/>
             </a:pPr>
             <a:r>
               <a:rPr lang="ru" sz="1400" b="1" dirty="0">
@@ -20177,11 +22500,10 @@
               <a:spcAft>
                 <a:spcPts val="0"/>
               </a:spcAft>
-              <a:buClr>
-                <a:srgbClr val="1B5E20"/>
-              </a:buClr>
+              <a:buClrTx/>
               <a:buSzPts val="1400"/>
-              <a:buChar char="❖"/>
+              <a:buFont typeface="Wingdings" panose="05000000000000000000" pitchFamily="2" charset="2"/>
+              <a:buChar char="v"/>
             </a:pPr>
             <a:r>
               <a:rPr lang="ru" sz="1400" dirty="0">
@@ -20219,11 +22541,10 @@
               <a:spcAft>
                 <a:spcPts val="0"/>
               </a:spcAft>
-              <a:buClr>
-                <a:srgbClr val="1B5E20"/>
-              </a:buClr>
+              <a:buClrTx/>
               <a:buSzPts val="1400"/>
-              <a:buChar char="❖"/>
+              <a:buFont typeface="Wingdings" panose="05000000000000000000" pitchFamily="2" charset="2"/>
+              <a:buChar char="v"/>
             </a:pPr>
             <a:r>
               <a:rPr lang="ru" sz="1400" dirty="0">
@@ -20277,11 +22598,10 @@
               <a:spcAft>
                 <a:spcPts val="0"/>
               </a:spcAft>
-              <a:buClr>
-                <a:srgbClr val="1B5E20"/>
-              </a:buClr>
+              <a:buClrTx/>
               <a:buSzPts val="1400"/>
-              <a:buChar char="❖"/>
+              <a:buFont typeface="Wingdings" panose="05000000000000000000" pitchFamily="2" charset="2"/>
+              <a:buChar char="v"/>
             </a:pPr>
             <a:r>
               <a:rPr lang="ru" sz="1400" dirty="0">
@@ -20319,11 +22639,10 @@
               <a:spcAft>
                 <a:spcPts val="0"/>
               </a:spcAft>
-              <a:buClr>
-                <a:srgbClr val="1B5E20"/>
-              </a:buClr>
+              <a:buClrTx/>
               <a:buSzPts val="1400"/>
-              <a:buChar char="❖"/>
+              <a:buFont typeface="Wingdings" panose="05000000000000000000" pitchFamily="2" charset="2"/>
+              <a:buChar char="v"/>
             </a:pPr>
             <a:r>
               <a:rPr lang="ru" sz="1400" dirty="0">
@@ -20683,11 +23002,10 @@
               <a:spcAft>
                 <a:spcPts val="0"/>
               </a:spcAft>
-              <a:buClr>
-                <a:srgbClr val="1B5E20"/>
-              </a:buClr>
+              <a:buClrTx/>
               <a:buSzPts val="1400"/>
-              <a:buChar char="❖"/>
+              <a:buFont typeface="Wingdings" panose="05000000000000000000" pitchFamily="2" charset="2"/>
+              <a:buChar char="v"/>
             </a:pPr>
             <a:r>
               <a:rPr lang="ru" sz="1400" dirty="0">
@@ -20773,11 +23091,10 @@
               <a:spcAft>
                 <a:spcPts val="0"/>
               </a:spcAft>
-              <a:buClr>
-                <a:srgbClr val="1B5E20"/>
-              </a:buClr>
+              <a:buClrTx/>
               <a:buSzPts val="1400"/>
-              <a:buChar char="❖"/>
+              <a:buFont typeface="Wingdings" panose="05000000000000000000" pitchFamily="2" charset="2"/>
+              <a:buChar char="v"/>
             </a:pPr>
             <a:r>
               <a:rPr lang="ru" sz="1400" dirty="0">
@@ -20919,7 +23236,7 @@
             </a:r>
           </a:p>
           <a:p>
-            <a:pPr marL="720725" lvl="0" indent="-271463" algn="just" rtl="0">
+            <a:pPr marL="735012" lvl="0" indent="-285750" algn="just" rtl="0">
               <a:lnSpc>
                 <a:spcPct val="100000"/>
               </a:lnSpc>
@@ -20933,7 +23250,8 @@
                 <a:srgbClr val="000000"/>
               </a:buClr>
               <a:buSzPts val="1400"/>
-              <a:buChar char="➤"/>
+              <a:buFont typeface="Wingdings" panose="05000000000000000000" pitchFamily="2" charset="2"/>
+              <a:buChar char="Ø"/>
             </a:pPr>
             <a:r>
               <a:rPr lang="ru" sz="1400" b="1" dirty="0">
@@ -20953,7 +23271,7 @@
             </a:r>
           </a:p>
           <a:p>
-            <a:pPr marL="720725" lvl="0" indent="-271463" algn="just" rtl="0">
+            <a:pPr marL="735012" lvl="0" indent="-285750" algn="just" rtl="0">
               <a:lnSpc>
                 <a:spcPct val="100000"/>
               </a:lnSpc>
@@ -20967,7 +23285,8 @@
                 <a:srgbClr val="000000"/>
               </a:buClr>
               <a:buSzPts val="1400"/>
-              <a:buChar char="➤"/>
+              <a:buFont typeface="Wingdings" panose="05000000000000000000" pitchFamily="2" charset="2"/>
+              <a:buChar char="Ø"/>
             </a:pPr>
             <a:r>
               <a:rPr lang="ru" sz="1400" b="1" dirty="0">
@@ -20997,11 +23316,10 @@
               <a:spcAft>
                 <a:spcPts val="0"/>
               </a:spcAft>
-              <a:buClr>
-                <a:srgbClr val="1B5E20"/>
-              </a:buClr>
+              <a:buClrTx/>
               <a:buSzPts val="1400"/>
-              <a:buChar char="❖"/>
+              <a:buFont typeface="Wingdings" panose="05000000000000000000" pitchFamily="2" charset="2"/>
+              <a:buChar char="v"/>
             </a:pPr>
             <a:r>
               <a:rPr lang="ru" sz="1400" dirty="0">
@@ -21308,11 +23626,10 @@
               <a:spcAft>
                 <a:spcPts val="0"/>
               </a:spcAft>
-              <a:buClr>
-                <a:srgbClr val="1B5E20"/>
-              </a:buClr>
+              <a:buClrTx/>
               <a:buSzPts val="1400"/>
-              <a:buChar char="❖"/>
+              <a:buFont typeface="Wingdings" panose="05000000000000000000" pitchFamily="2" charset="2"/>
+              <a:buChar char="v"/>
             </a:pPr>
             <a:r>
               <a:rPr lang="ru" sz="1400" dirty="0">
@@ -21350,11 +23667,10 @@
               <a:spcAft>
                 <a:spcPts val="0"/>
               </a:spcAft>
-              <a:buClr>
-                <a:srgbClr val="1B5E20"/>
-              </a:buClr>
+              <a:buClrTx/>
               <a:buSzPts val="1400"/>
-              <a:buChar char="❖"/>
+              <a:buFont typeface="Wingdings" panose="05000000000000000000" pitchFamily="2" charset="2"/>
+              <a:buChar char="v"/>
             </a:pPr>
             <a:r>
               <a:rPr lang="ru" sz="1400" dirty="0">
@@ -21466,11 +23782,10 @@
               <a:spcAft>
                 <a:spcPts val="0"/>
               </a:spcAft>
-              <a:buClr>
-                <a:srgbClr val="1B5E20"/>
-              </a:buClr>
+              <a:buClrTx/>
               <a:buSzPts val="1400"/>
-              <a:buChar char="❖"/>
+              <a:buFont typeface="Wingdings" panose="05000000000000000000" pitchFamily="2" charset="2"/>
+              <a:buChar char="v"/>
             </a:pPr>
             <a:r>
               <a:rPr lang="ru" sz="1400" dirty="0">
@@ -21729,11 +24044,10 @@
               <a:spcAft>
                 <a:spcPts val="0"/>
               </a:spcAft>
-              <a:buClr>
-                <a:srgbClr val="1B5E20"/>
-              </a:buClr>
+              <a:buClrTx/>
               <a:buSzPts val="1400"/>
-              <a:buChar char="❖"/>
+              <a:buFont typeface="Wingdings" panose="05000000000000000000" pitchFamily="2" charset="2"/>
+              <a:buChar char="v"/>
             </a:pPr>
             <a:r>
               <a:rPr lang="ru" sz="1400" dirty="0">
@@ -22124,11 +24438,10 @@
               <a:spcAft>
                 <a:spcPts val="0"/>
               </a:spcAft>
-              <a:buClr>
-                <a:srgbClr val="1B5E20"/>
-              </a:buClr>
+              <a:buClrTx/>
               <a:buSzPts val="1400"/>
-              <a:buChar char="❖"/>
+              <a:buFont typeface="Wingdings" panose="05000000000000000000" pitchFamily="2" charset="2"/>
+              <a:buChar char="v"/>
             </a:pPr>
             <a:r>
               <a:rPr lang="ru" sz="1400" dirty="0">
@@ -22493,11 +24806,10 @@
               <a:spcAft>
                 <a:spcPts val="0"/>
               </a:spcAft>
-              <a:buClr>
-                <a:srgbClr val="1B5E20"/>
-              </a:buClr>
+              <a:buClrTx/>
               <a:buSzPts val="1400"/>
-              <a:buChar char="❖"/>
+              <a:buFont typeface="Wingdings" panose="05000000000000000000" pitchFamily="2" charset="2"/>
+              <a:buChar char="v"/>
             </a:pPr>
             <a:r>
               <a:rPr lang="ru" sz="1400" dirty="0">
@@ -22509,7 +24821,7 @@
             </a:r>
           </a:p>
           <a:p>
-            <a:pPr marL="806450" lvl="0" indent="-357188" algn="just" defTabSz="806450">
+            <a:pPr marL="720725" lvl="0" indent="-271463" algn="just" defTabSz="806450">
               <a:lnSpc>
                 <a:spcPct val="100000"/>
               </a:lnSpc>
@@ -22523,7 +24835,8 @@
                 <a:srgbClr val="000000"/>
               </a:buClr>
               <a:buSzPts val="1400"/>
-              <a:buChar char="➤"/>
+              <a:buFont typeface="Wingdings" panose="05000000000000000000" pitchFamily="2" charset="2"/>
+              <a:buChar char="Ø"/>
             </a:pPr>
             <a:r>
               <a:rPr lang="ru" sz="1400" b="1" dirty="0">
@@ -22591,7 +24904,7 @@
             </a:r>
           </a:p>
           <a:p>
-            <a:pPr marL="806450" lvl="0" indent="-357188" algn="just" defTabSz="806450">
+            <a:pPr marL="720725" lvl="0" indent="-271463" algn="just" defTabSz="806450">
               <a:lnSpc>
                 <a:spcPct val="100000"/>
               </a:lnSpc>
@@ -22605,7 +24918,8 @@
                 <a:srgbClr val="000000"/>
               </a:buClr>
               <a:buSzPts val="1400"/>
-              <a:buChar char="➤"/>
+              <a:buFont typeface="Wingdings" panose="05000000000000000000" pitchFamily="2" charset="2"/>
+              <a:buChar char="Ø"/>
             </a:pPr>
             <a:r>
               <a:rPr lang="ru" sz="1400" b="1" dirty="0">
@@ -22635,11 +24949,10 @@
               <a:spcAft>
                 <a:spcPts val="0"/>
               </a:spcAft>
-              <a:buClr>
-                <a:srgbClr val="1B5E20"/>
-              </a:buClr>
+              <a:buClrTx/>
               <a:buSzPts val="1400"/>
-              <a:buChar char="❖"/>
+              <a:buFont typeface="Wingdings" panose="05000000000000000000" pitchFamily="2" charset="2"/>
+              <a:buChar char="v"/>
             </a:pPr>
             <a:r>
               <a:rPr lang="ru" sz="1400" dirty="0">

--- a/data/Concurrency-and-Asynchrony/Presentation-Threading.pptx
+++ b/data/Concurrency-and-Asynchrony/Presentation-Threading.pptx
@@ -18085,7 +18085,7 @@
             </a:endParaRPr>
           </a:p>
           <a:p>
-            <a:pPr marL="457200" lvl="0" indent="-323850" algn="just" rtl="0">
+            <a:pPr marL="457200" lvl="0" indent="-371475" algn="just" rtl="0">
               <a:lnSpc>
                 <a:spcPct val="100000"/>
               </a:lnSpc>
